--- a/산출물/1팀 피피티.pptx
+++ b/산출물/1팀 피피티.pptx
@@ -1,6 +1,6 @@
 
 <file path=ppt/presentation.xml><?xml version="1.0" encoding="utf-8"?>
-<p:presentation xmlns:a="http://schemas.openxmlformats.org/drawingml/2006/main" xmlns:r="http://schemas.openxmlformats.org/officeDocument/2006/relationships" xmlns:p="http://schemas.openxmlformats.org/presentationml/2006/main" saveSubsetFonts="1">
+<p:presentation xmlns:r="http://schemas.openxmlformats.org/officeDocument/2006/relationships" xmlns:c="http://schemas.openxmlformats.org/drawingml/2006/chart" xmlns:a="http://schemas.openxmlformats.org/drawingml/2006/main" xmlns:dgm="http://schemas.openxmlformats.org/drawingml/2006/diagram" xmlns:dsp="http://schemas.microsoft.com/office/drawing/2008/diagram" xmlns:p="http://schemas.openxmlformats.org/presentationml/2006/main">
   <p:sldMasterIdLst>
     <p:sldMasterId id="2147483648" r:id="rId1"/>
   </p:sldMasterIdLst>
@@ -46,7 +46,6 @@
     <p:sldId id="321" r:id="rId40"/>
     <p:sldId id="322" r:id="rId41"/>
     <p:sldId id="262" r:id="rId42"/>
-    <p:sldId id="266" r:id="rId43"/>
   </p:sldIdLst>
   <p:sldSz cx="12192000" cy="6858000"/>
   <p:notesSz cx="6858000" cy="9144000"/>
@@ -145,22 +144,6 @@
       </a:defRPr>
     </a:lvl9pPr>
   </p:defaultTextStyle>
-  <p:extLst>
-    <p:ext uri="{EFAFB233-063F-42B5-8137-9DF3F51BA10A}">
-      <p15:sldGuideLst xmlns:p15="http://schemas.microsoft.com/office/powerpoint/2012/main">
-        <p15:guide id="1" orient="horz" pos="2160" userDrawn="1">
-          <p15:clr>
-            <a:srgbClr val="A4A3A4"/>
-          </p15:clr>
-        </p15:guide>
-        <p15:guide id="2" pos="3840" userDrawn="1">
-          <p15:clr>
-            <a:srgbClr val="A4A3A4"/>
-          </p15:clr>
-        </p15:guide>
-      </p15:sldGuideLst>
-    </p:ext>
-  </p:extLst>
 </p:presentation>
 </file>
 
@@ -9776,14 +9759,13 @@
 </file>
 
 <file path=ppt/slides/slide13.xml><?xml version="1.0" encoding="utf-8"?>
-<p:sld xmlns:a="http://schemas.openxmlformats.org/drawingml/2006/main" xmlns:r="http://schemas.openxmlformats.org/officeDocument/2006/relationships" xmlns:p="http://schemas.openxmlformats.org/presentationml/2006/main">
+<p:sld xmlns:r="http://schemas.openxmlformats.org/officeDocument/2006/relationships" xmlns:c="http://schemas.openxmlformats.org/drawingml/2006/chart" xmlns:a="http://schemas.openxmlformats.org/drawingml/2006/main" xmlns:dgm="http://schemas.openxmlformats.org/drawingml/2006/diagram" xmlns:dsp="http://schemas.microsoft.com/office/drawing/2008/diagram" xmlns:p="http://schemas.openxmlformats.org/presentationml/2006/main">
   <p:cSld>
     <p:bg>
-      <p:bgPr>
+      <p:bgPr shadeToTitle="0">
         <a:solidFill>
-          <a:srgbClr val="E8E2E2"/>
+          <a:srgbClr val="e8e2e2"/>
         </a:solidFill>
-        <a:effectLst/>
       </p:bgPr>
     </p:bg>
     <p:spTree>
@@ -11006,14 +10988,14 @@
   <p:clrMapOvr>
     <a:masterClrMapping/>
   </p:clrMapOvr>
-  <mc:AlternateContent xmlns:mc="http://schemas.openxmlformats.org/markup-compatibility/2006" xmlns:p14="http://schemas.microsoft.com/office/powerpoint/2010/main">
-    <mc:Choice Requires="p14">
-      <p:transition spd="med" p14:dur="700">
+  <mc:AlternateContent xmlns:mc="http://schemas.openxmlformats.org/markup-compatibility/2006">
+    <mc:Choice xmlns:p14="http://schemas.microsoft.com/office/powerpoint/2010/main" Requires="p14">
+      <p:transition xmlns:mc="http://schemas.openxmlformats.org/markup-compatibility/2006" xmlns:p14="http://schemas.microsoft.com/office/powerpoint/2010/main" mc:Ignorable="p14" p14:dur="700">
         <p:fade/>
       </p:transition>
     </mc:Choice>
-    <mc:Fallback xmlns="">
-      <p:transition spd="med">
+    <mc:Fallback>
+      <p:transition xmlns:mc="http://schemas.openxmlformats.org/markup-compatibility/2006" xmlns:hp="http://schemas.haansoft.com/office/presentation/8.0" mc:Ignorable="hp" hp:hslDur="700">
         <p:fade/>
       </p:transition>
     </mc:Fallback>
@@ -24912,14 +24894,13 @@
 </file>
 
 <file path=ppt/slides/slide4.xml><?xml version="1.0" encoding="utf-8"?>
-<p:sld xmlns:a="http://schemas.openxmlformats.org/drawingml/2006/main" xmlns:r="http://schemas.openxmlformats.org/officeDocument/2006/relationships" xmlns:p="http://schemas.openxmlformats.org/presentationml/2006/main">
+<p:sld xmlns:r="http://schemas.openxmlformats.org/officeDocument/2006/relationships" xmlns:c="http://schemas.openxmlformats.org/drawingml/2006/chart" xmlns:a="http://schemas.openxmlformats.org/drawingml/2006/main" xmlns:dgm="http://schemas.openxmlformats.org/drawingml/2006/diagram" xmlns:dsp="http://schemas.microsoft.com/office/drawing/2008/diagram" xmlns:p="http://schemas.openxmlformats.org/presentationml/2006/main">
   <p:cSld>
     <p:bg>
-      <p:bgPr>
+      <p:bgPr shadeToTitle="0">
         <a:solidFill>
-          <a:srgbClr val="E6E4E5"/>
+          <a:srgbClr val="e6e4e5"/>
         </a:solidFill>
-        <a:effectLst/>
       </p:bgPr>
     </p:bg>
     <p:spTree>
@@ -25779,20 +25760,14 @@
       </p:sp>
       <p:sp>
         <p:nvSpPr>
-          <p:cNvPr id="64" name="テキスト ボックス 17">
-            <a:extLst>
-              <a:ext uri="{FF2B5EF4-FFF2-40B4-BE49-F238E27FC236}">
-                <a16:creationId xmlns:a16="http://schemas.microsoft.com/office/drawing/2014/main" id="{D6ABE58D-D6BC-4D9C-BBB4-1EB854D4F3C1}"/>
-              </a:ext>
-            </a:extLst>
-          </p:cNvPr>
+          <p:cNvPr id="64" name="テキスト ボックス 17"/>
           <p:cNvSpPr txBox="1"/>
           <p:nvPr/>
         </p:nvSpPr>
         <p:spPr>
           <a:xfrm>
-            <a:off x="4877914" y="3933183"/>
-            <a:ext cx="2425665" cy="369332"/>
+            <a:off x="5566410" y="3933183"/>
+            <a:ext cx="1021080" cy="360687"/>
           </a:xfrm>
           <a:prstGeom prst="rect">
             <a:avLst/>
@@ -25800,36 +25775,31 @@
           <a:noFill/>
         </p:spPr>
         <p:txBody>
-          <a:bodyPr wrap="none" rtlCol="0">
+          <a:bodyPr wrap="none">
             <a:spAutoFit/>
           </a:bodyPr>
           <a:lstStyle/>
           <a:p>
-            <a:pPr algn="ctr"/>
-            <a:r>
-              <a:rPr kumimoji="1" lang="ko-KR" altLang="en-US" spc="-150" dirty="0" smtClean="0">
-                <a:latin typeface="HY견고딕" panose="02030600000101010101" pitchFamily="18" charset="-127"/>
-                <a:ea typeface="HY견고딕" panose="02030600000101010101" pitchFamily="18" charset="-127"/>
-              </a:rPr>
-              <a:t>소프트웨어 개발</a:t>
-            </a:r>
-            <a:r>
-              <a:rPr kumimoji="1" lang="en-US" altLang="ko-KR" spc="-150" dirty="0" smtClean="0">
-                <a:latin typeface="HY견고딕" panose="02030600000101010101" pitchFamily="18" charset="-127"/>
-                <a:ea typeface="HY견고딕" panose="02030600000101010101" pitchFamily="18" charset="-127"/>
-              </a:rPr>
-              <a:t>,</a:t>
-            </a:r>
-            <a:r>
-              <a:rPr kumimoji="1" lang="ko-KR" altLang="en-US" spc="-150" dirty="0" smtClean="0">
-                <a:latin typeface="HY견고딕" panose="02030600000101010101" pitchFamily="18" charset="-127"/>
-                <a:ea typeface="HY견고딕" panose="02030600000101010101" pitchFamily="18" charset="-127"/>
-              </a:rPr>
-              <a:t>테스트</a:t>
-            </a:r>
-            <a:endParaRPr kumimoji="1" lang="ja-JP" altLang="en-US" spc="-150" dirty="0">
-              <a:latin typeface="HY견고딕" panose="02030600000101010101" pitchFamily="18" charset="-127"/>
-              <a:ea typeface="HY견고딕" panose="02030600000101010101" pitchFamily="18" charset="-127"/>
+            <a:pPr lvl="0" algn="ctr">
+              <a:defRPr/>
+            </a:pPr>
+            <a:r>
+              <a:rPr kumimoji="1" lang="en-US" altLang="ko-KR" spc="-150">
+                <a:latin typeface="HY견고딕"/>
+                <a:ea typeface="HY견고딕"/>
+              </a:rPr>
+              <a:t>DB</a:t>
+            </a:r>
+            <a:r>
+              <a:rPr kumimoji="1" lang="ko-KR" altLang="en-US" spc="-150">
+                <a:latin typeface="HY견고딕"/>
+                <a:ea typeface="HY견고딕"/>
+              </a:rPr>
+              <a:t> 설계</a:t>
+            </a:r>
+            <a:endParaRPr kumimoji="1" lang="ko-KR" altLang="en-US" spc="-150">
+              <a:latin typeface="HY견고딕"/>
+              <a:ea typeface="HY견고딕"/>
             </a:endParaRPr>
           </a:p>
         </p:txBody>
@@ -25888,20 +25858,14 @@
       </p:sp>
       <p:sp>
         <p:nvSpPr>
-          <p:cNvPr id="66" name="TextBox 65">
-            <a:extLst>
-              <a:ext uri="{FF2B5EF4-FFF2-40B4-BE49-F238E27FC236}">
-                <a16:creationId xmlns:a16="http://schemas.microsoft.com/office/drawing/2014/main" id="{251E315B-21C8-4B50-9F3B-26FEC65DFF96}"/>
-              </a:ext>
-            </a:extLst>
-          </p:cNvPr>
+          <p:cNvPr id="66" name="TextBox 65"/>
           <p:cNvSpPr txBox="1"/>
           <p:nvPr/>
         </p:nvSpPr>
         <p:spPr>
           <a:xfrm>
-            <a:off x="4064365" y="3068900"/>
-            <a:ext cx="931665" cy="769441"/>
+            <a:off x="4013835" y="3068900"/>
+            <a:ext cx="1021079" cy="748720"/>
           </a:xfrm>
           <a:prstGeom prst="rect">
             <a:avLst/>
@@ -25909,22 +25873,24 @@
           <a:noFill/>
         </p:spPr>
         <p:txBody>
-          <a:bodyPr wrap="none" rtlCol="0">
+          <a:bodyPr wrap="none">
             <a:spAutoFit/>
           </a:bodyPr>
           <a:lstStyle/>
           <a:p>
-            <a:pPr algn="ctr"/>
-            <a:r>
-              <a:rPr lang="en-US" altLang="ko-KR" sz="4400" b="1" dirty="0" smtClean="0">
+            <a:pPr lvl="0" algn="ctr">
+              <a:defRPr/>
+            </a:pPr>
+            <a:r>
+              <a:rPr lang="en-US" altLang="ko-KR" sz="4400" b="1">
                 <a:solidFill>
                   <a:schemeClr val="bg1"/>
                 </a:solidFill>
                 <a:latin typeface="+mj-lt"/>
               </a:rPr>
-              <a:t>DE</a:t>
-            </a:r>
-            <a:endParaRPr lang="ko-KR" altLang="en-US" sz="4400" b="1" dirty="0">
+              <a:t>DA</a:t>
+            </a:r>
+            <a:endParaRPr lang="en-US" altLang="ko-KR" sz="4400" b="1">
               <a:solidFill>
                 <a:schemeClr val="bg1"/>
               </a:solidFill>
@@ -26405,20 +26371,14 @@
       </p:sp>
       <p:sp>
         <p:nvSpPr>
-          <p:cNvPr id="76" name="テキスト ボックス 17">
-            <a:extLst>
-              <a:ext uri="{FF2B5EF4-FFF2-40B4-BE49-F238E27FC236}">
-                <a16:creationId xmlns:a16="http://schemas.microsoft.com/office/drawing/2014/main" id="{D6ABE58D-D6BC-4D9C-BBB4-1EB854D4F3C1}"/>
-              </a:ext>
-            </a:extLst>
-          </p:cNvPr>
+          <p:cNvPr id="76" name="テキスト ボックス 17"/>
           <p:cNvSpPr txBox="1"/>
           <p:nvPr/>
         </p:nvSpPr>
         <p:spPr>
           <a:xfrm>
-            <a:off x="1243577" y="5628935"/>
-            <a:ext cx="2204450" cy="369332"/>
+            <a:off x="1099185" y="5628935"/>
+            <a:ext cx="2497455" cy="369332"/>
           </a:xfrm>
           <a:prstGeom prst="rect">
             <a:avLst/>
@@ -26426,22 +26386,38 @@
           <a:noFill/>
         </p:spPr>
         <p:txBody>
-          <a:bodyPr wrap="none" rtlCol="0">
+          <a:bodyPr wrap="none">
             <a:spAutoFit/>
           </a:bodyPr>
           <a:lstStyle/>
           <a:p>
-            <a:pPr algn="ctr"/>
-            <a:r>
-              <a:rPr kumimoji="1" lang="ko-KR" altLang="en-US" spc="-150" dirty="0" smtClean="0">
-                <a:latin typeface="HY견고딕" panose="02030600000101010101" pitchFamily="18" charset="-127"/>
-                <a:ea typeface="HY견고딕" panose="02030600000101010101" pitchFamily="18" charset="-127"/>
-              </a:rPr>
-              <a:t>소프트웨어 구성 관리</a:t>
-            </a:r>
-            <a:endParaRPr kumimoji="1" lang="ja-JP" altLang="en-US" spc="-150" dirty="0">
-              <a:latin typeface="HY견고딕" panose="02030600000101010101" pitchFamily="18" charset="-127"/>
-              <a:ea typeface="HY견고딕" panose="02030600000101010101" pitchFamily="18" charset="-127"/>
+            <a:pPr lvl="0" algn="ctr">
+              <a:defRPr/>
+            </a:pPr>
+            <a:r>
+              <a:rPr kumimoji="1" lang="ko-KR" altLang="en-US" spc="-150">
+                <a:latin typeface="HY견고딕"/>
+                <a:ea typeface="HY견고딕"/>
+              </a:rPr>
+              <a:t>하드웨어</a:t>
+            </a:r>
+            <a:r>
+              <a:rPr kumimoji="1" lang="en-US" altLang="ko-KR" spc="-150">
+                <a:latin typeface="HY견고딕"/>
+                <a:ea typeface="HY견고딕"/>
+              </a:rPr>
+              <a:t>,</a:t>
+            </a:r>
+            <a:r>
+              <a:rPr kumimoji="1" lang="ko-KR" altLang="en-US" spc="-150">
+                <a:latin typeface="HY견고딕"/>
+                <a:ea typeface="HY견고딕"/>
+              </a:rPr>
+              <a:t> 네트워크 구축</a:t>
+            </a:r>
+            <a:endParaRPr kumimoji="1" lang="ko-KR" altLang="en-US" spc="-150">
+              <a:latin typeface="HY견고딕"/>
+              <a:ea typeface="HY견고딕"/>
             </a:endParaRPr>
           </a:p>
         </p:txBody>
@@ -26500,20 +26476,14 @@
       </p:sp>
       <p:sp>
         <p:nvSpPr>
-          <p:cNvPr id="78" name="TextBox 77">
-            <a:extLst>
-              <a:ext uri="{FF2B5EF4-FFF2-40B4-BE49-F238E27FC236}">
-                <a16:creationId xmlns:a16="http://schemas.microsoft.com/office/drawing/2014/main" id="{251E315B-21C8-4B50-9F3B-26FEC65DFF96}"/>
-              </a:ext>
-            </a:extLst>
-          </p:cNvPr>
+          <p:cNvPr id="78" name="TextBox 77"/>
           <p:cNvSpPr txBox="1"/>
           <p:nvPr/>
         </p:nvSpPr>
         <p:spPr>
           <a:xfrm>
-            <a:off x="268932" y="4764652"/>
-            <a:ext cx="1032655" cy="769441"/>
+            <a:off x="318135" y="4764652"/>
+            <a:ext cx="916305" cy="757942"/>
           </a:xfrm>
           <a:prstGeom prst="rect">
             <a:avLst/>
@@ -26521,22 +26491,24 @@
           <a:noFill/>
         </p:spPr>
         <p:txBody>
-          <a:bodyPr wrap="none" rtlCol="0">
+          <a:bodyPr wrap="none">
             <a:spAutoFit/>
           </a:bodyPr>
           <a:lstStyle/>
           <a:p>
-            <a:pPr algn="ctr"/>
-            <a:r>
-              <a:rPr lang="en-US" altLang="ko-KR" sz="4400" b="1" dirty="0" smtClean="0">
+            <a:pPr lvl="0" algn="ctr">
+              <a:defRPr/>
+            </a:pPr>
+            <a:r>
+              <a:rPr lang="en-US" altLang="ko-KR" sz="4400" b="1">
                 <a:solidFill>
                   <a:schemeClr val="bg1"/>
                 </a:solidFill>
                 <a:latin typeface="+mj-lt"/>
               </a:rPr>
-              <a:t>CM</a:t>
-            </a:r>
-            <a:endParaRPr lang="ko-KR" altLang="en-US" sz="4400" b="1" dirty="0">
+              <a:t>TA</a:t>
+            </a:r>
+            <a:endParaRPr lang="en-US" altLang="ko-KR" sz="4400" b="1">
               <a:solidFill>
                 <a:schemeClr val="bg1"/>
               </a:solidFill>
@@ -26595,14 +26567,14 @@
   <p:clrMapOvr>
     <a:masterClrMapping/>
   </p:clrMapOvr>
-  <mc:AlternateContent xmlns:mc="http://schemas.openxmlformats.org/markup-compatibility/2006" xmlns:p14="http://schemas.microsoft.com/office/powerpoint/2010/main">
-    <mc:Choice Requires="p14">
-      <p:transition spd="med" p14:dur="700">
+  <mc:AlternateContent xmlns:mc="http://schemas.openxmlformats.org/markup-compatibility/2006">
+    <mc:Choice xmlns:p14="http://schemas.microsoft.com/office/powerpoint/2010/main" Requires="p14">
+      <p:transition xmlns:mc="http://schemas.openxmlformats.org/markup-compatibility/2006" xmlns:p14="http://schemas.microsoft.com/office/powerpoint/2010/main" mc:Ignorable="p14" p14:dur="700">
         <p:fade/>
       </p:transition>
     </mc:Choice>
-    <mc:Fallback xmlns="">
-      <p:transition spd="med">
+    <mc:Fallback>
+      <p:transition xmlns:mc="http://schemas.openxmlformats.org/markup-compatibility/2006" xmlns:hp="http://schemas.haansoft.com/office/presentation/8.0" mc:Ignorable="hp" hp:hslDur="700">
         <p:fade/>
       </p:transition>
     </mc:Fallback>
@@ -27120,929 +27092,6 @@
     <p:extLst>
       <p:ext uri="{BB962C8B-B14F-4D97-AF65-F5344CB8AC3E}">
         <p14:creationId xmlns:p14="http://schemas.microsoft.com/office/powerpoint/2010/main" val="2096222549"/>
-      </p:ext>
-    </p:extLst>
-  </p:cSld>
-  <p:clrMapOvr>
-    <a:masterClrMapping/>
-  </p:clrMapOvr>
-  <mc:AlternateContent xmlns:mc="http://schemas.openxmlformats.org/markup-compatibility/2006" xmlns:p14="http://schemas.microsoft.com/office/powerpoint/2010/main">
-    <mc:Choice Requires="p14">
-      <p:transition spd="med" p14:dur="700">
-        <p:fade/>
-      </p:transition>
-    </mc:Choice>
-    <mc:Fallback xmlns="">
-      <p:transition spd="med">
-        <p:fade/>
-      </p:transition>
-    </mc:Fallback>
-  </mc:AlternateContent>
-</p:sld>
-</file>
-
-<file path=ppt/slides/slide42.xml><?xml version="1.0" encoding="utf-8"?>
-<p:sld xmlns:a="http://schemas.openxmlformats.org/drawingml/2006/main" xmlns:r="http://schemas.openxmlformats.org/officeDocument/2006/relationships" xmlns:p="http://schemas.openxmlformats.org/presentationml/2006/main">
-  <p:cSld>
-    <p:spTree>
-      <p:nvGrpSpPr>
-        <p:cNvPr id="1" name=""/>
-        <p:cNvGrpSpPr/>
-        <p:nvPr/>
-      </p:nvGrpSpPr>
-      <p:grpSpPr>
-        <a:xfrm>
-          <a:off x="0" y="0"/>
-          <a:ext cx="0" cy="0"/>
-          <a:chOff x="0" y="0"/>
-          <a:chExt cx="0" cy="0"/>
-        </a:xfrm>
-      </p:grpSpPr>
-      <p:cxnSp>
-        <p:nvCxnSpPr>
-          <p:cNvPr id="3" name="직선 연결선 2">
-            <a:extLst>
-              <a:ext uri="{FF2B5EF4-FFF2-40B4-BE49-F238E27FC236}">
-                <a16:creationId xmlns:a16="http://schemas.microsoft.com/office/drawing/2014/main" id="{30B7886A-E2C2-47A8-A271-1FD08F52EED0}"/>
-              </a:ext>
-            </a:extLst>
-          </p:cNvPr>
-          <p:cNvCxnSpPr>
-            <a:cxnSpLocks/>
-          </p:cNvCxnSpPr>
-          <p:nvPr/>
-        </p:nvCxnSpPr>
-        <p:spPr>
-          <a:xfrm>
-            <a:off x="152400" y="190500"/>
-            <a:ext cx="1435100" cy="0"/>
-          </a:xfrm>
-          <a:prstGeom prst="line">
-            <a:avLst/>
-          </a:prstGeom>
-          <a:ln w="76200">
-            <a:solidFill>
-              <a:schemeClr val="accent4"/>
-            </a:solidFill>
-          </a:ln>
-        </p:spPr>
-        <p:style>
-          <a:lnRef idx="1">
-            <a:schemeClr val="accent1"/>
-          </a:lnRef>
-          <a:fillRef idx="0">
-            <a:schemeClr val="accent1"/>
-          </a:fillRef>
-          <a:effectRef idx="0">
-            <a:schemeClr val="accent1"/>
-          </a:effectRef>
-          <a:fontRef idx="minor">
-            <a:schemeClr val="tx1"/>
-          </a:fontRef>
-        </p:style>
-      </p:cxnSp>
-      <p:sp>
-        <p:nvSpPr>
-          <p:cNvPr id="5" name="TextBox 4">
-            <a:extLst>
-              <a:ext uri="{FF2B5EF4-FFF2-40B4-BE49-F238E27FC236}">
-                <a16:creationId xmlns:a16="http://schemas.microsoft.com/office/drawing/2014/main" id="{B0BF8F17-9E56-462D-B8ED-980C1047873B}"/>
-              </a:ext>
-            </a:extLst>
-          </p:cNvPr>
-          <p:cNvSpPr txBox="1"/>
-          <p:nvPr/>
-        </p:nvSpPr>
-        <p:spPr>
-          <a:xfrm>
-            <a:off x="1676400" y="330200"/>
-            <a:ext cx="4163319" cy="769441"/>
-          </a:xfrm>
-          <a:prstGeom prst="rect">
-            <a:avLst/>
-          </a:prstGeom>
-          <a:noFill/>
-        </p:spPr>
-        <p:txBody>
-          <a:bodyPr wrap="none" rtlCol="0">
-            <a:spAutoFit/>
-          </a:bodyPr>
-          <a:lstStyle/>
-          <a:p>
-            <a:r>
-              <a:rPr lang="ko-KR" altLang="en-US" sz="4400" spc="-300" dirty="0" smtClean="0">
-                <a:solidFill>
-                  <a:schemeClr val="accent4"/>
-                </a:solidFill>
-              </a:rPr>
-              <a:t>이 페이지는 아님</a:t>
-            </a:r>
-            <a:endParaRPr lang="ko-KR" altLang="en-US" sz="4400" spc="-300" dirty="0">
-              <a:solidFill>
-                <a:schemeClr val="accent4"/>
-              </a:solidFill>
-            </a:endParaRPr>
-          </a:p>
-        </p:txBody>
-      </p:sp>
-      <p:sp>
-        <p:nvSpPr>
-          <p:cNvPr id="6" name="TextBox 5">
-            <a:extLst>
-              <a:ext uri="{FF2B5EF4-FFF2-40B4-BE49-F238E27FC236}">
-                <a16:creationId xmlns:a16="http://schemas.microsoft.com/office/drawing/2014/main" id="{3C4D8878-800F-4A94-9AEE-55D2DF32C42C}"/>
-              </a:ext>
-            </a:extLst>
-          </p:cNvPr>
-          <p:cNvSpPr txBox="1"/>
-          <p:nvPr/>
-        </p:nvSpPr>
-        <p:spPr>
-          <a:xfrm>
-            <a:off x="583709" y="345588"/>
-            <a:ext cx="885179" cy="369332"/>
-          </a:xfrm>
-          <a:prstGeom prst="rect">
-            <a:avLst/>
-          </a:prstGeom>
-          <a:noFill/>
-        </p:spPr>
-        <p:txBody>
-          <a:bodyPr wrap="none" rtlCol="0">
-            <a:spAutoFit/>
-          </a:bodyPr>
-          <a:lstStyle/>
-          <a:p>
-            <a:r>
-              <a:rPr lang="en-US" altLang="ko-KR" dirty="0">
-                <a:solidFill>
-                  <a:schemeClr val="accent4"/>
-                </a:solidFill>
-              </a:rPr>
-              <a:t>Part 2</a:t>
-            </a:r>
-            <a:endParaRPr lang="ko-KR" altLang="en-US" dirty="0">
-              <a:solidFill>
-                <a:schemeClr val="accent4"/>
-              </a:solidFill>
-            </a:endParaRPr>
-          </a:p>
-        </p:txBody>
-      </p:sp>
-      <p:cxnSp>
-        <p:nvCxnSpPr>
-          <p:cNvPr id="7" name="직선 연결선 6">
-            <a:extLst>
-              <a:ext uri="{FF2B5EF4-FFF2-40B4-BE49-F238E27FC236}">
-                <a16:creationId xmlns:a16="http://schemas.microsoft.com/office/drawing/2014/main" id="{F86ECFCA-8157-4B44-95D4-886C714123BC}"/>
-              </a:ext>
-            </a:extLst>
-          </p:cNvPr>
-          <p:cNvCxnSpPr/>
-          <p:nvPr/>
-        </p:nvCxnSpPr>
-        <p:spPr>
-          <a:xfrm>
-            <a:off x="1587500" y="190500"/>
-            <a:ext cx="10604500" cy="0"/>
-          </a:xfrm>
-          <a:prstGeom prst="line">
-            <a:avLst/>
-          </a:prstGeom>
-        </p:spPr>
-        <p:style>
-          <a:lnRef idx="1">
-            <a:schemeClr val="accent1"/>
-          </a:lnRef>
-          <a:fillRef idx="0">
-            <a:schemeClr val="accent1"/>
-          </a:fillRef>
-          <a:effectRef idx="0">
-            <a:schemeClr val="accent1"/>
-          </a:effectRef>
-          <a:fontRef idx="minor">
-            <a:schemeClr val="tx1"/>
-          </a:fontRef>
-        </p:style>
-      </p:cxnSp>
-      <p:sp>
-        <p:nvSpPr>
-          <p:cNvPr id="8" name="원호 7">
-            <a:extLst>
-              <a:ext uri="{FF2B5EF4-FFF2-40B4-BE49-F238E27FC236}">
-                <a16:creationId xmlns:a16="http://schemas.microsoft.com/office/drawing/2014/main" id="{C915BA50-370C-4ADD-9C88-012BF5F11D98}"/>
-              </a:ext>
-            </a:extLst>
-          </p:cNvPr>
-          <p:cNvSpPr/>
-          <p:nvPr/>
-        </p:nvSpPr>
-        <p:spPr>
-          <a:xfrm rot="5400000">
-            <a:off x="1165581" y="2379829"/>
-            <a:ext cx="1965434" cy="1965434"/>
-          </a:xfrm>
-          <a:prstGeom prst="arc">
-            <a:avLst>
-              <a:gd name="adj1" fmla="val 16029660"/>
-              <a:gd name="adj2" fmla="val 21546426"/>
-            </a:avLst>
-          </a:prstGeom>
-          <a:ln w="254000">
-            <a:solidFill>
-              <a:schemeClr val="bg1">
-                <a:lumMod val="85000"/>
-              </a:schemeClr>
-            </a:solidFill>
-          </a:ln>
-        </p:spPr>
-        <p:style>
-          <a:lnRef idx="1">
-            <a:schemeClr val="accent1"/>
-          </a:lnRef>
-          <a:fillRef idx="0">
-            <a:schemeClr val="accent1"/>
-          </a:fillRef>
-          <a:effectRef idx="0">
-            <a:schemeClr val="accent1"/>
-          </a:effectRef>
-          <a:fontRef idx="minor">
-            <a:schemeClr val="tx1"/>
-          </a:fontRef>
-        </p:style>
-        <p:txBody>
-          <a:bodyPr rtlCol="0" anchor="ctr"/>
-          <a:lstStyle/>
-          <a:p>
-            <a:pPr algn="ctr"/>
-            <a:endParaRPr lang="ko-KR" altLang="en-US"/>
-          </a:p>
-        </p:txBody>
-      </p:sp>
-      <p:sp>
-        <p:nvSpPr>
-          <p:cNvPr id="9" name="원호 8">
-            <a:extLst>
-              <a:ext uri="{FF2B5EF4-FFF2-40B4-BE49-F238E27FC236}">
-                <a16:creationId xmlns:a16="http://schemas.microsoft.com/office/drawing/2014/main" id="{18113512-1C23-433E-B86A-51AB7FAFB5D8}"/>
-              </a:ext>
-            </a:extLst>
-          </p:cNvPr>
-          <p:cNvSpPr/>
-          <p:nvPr/>
-        </p:nvSpPr>
-        <p:spPr>
-          <a:xfrm>
-            <a:off x="1011607" y="1804563"/>
-            <a:ext cx="1965434" cy="1965434"/>
-          </a:xfrm>
-          <a:prstGeom prst="arc">
-            <a:avLst>
-              <a:gd name="adj1" fmla="val 5320067"/>
-              <a:gd name="adj2" fmla="val 0"/>
-            </a:avLst>
-          </a:prstGeom>
-          <a:ln w="381000">
-            <a:solidFill>
-              <a:schemeClr val="accent1"/>
-            </a:solidFill>
-          </a:ln>
-        </p:spPr>
-        <p:style>
-          <a:lnRef idx="1">
-            <a:schemeClr val="accent1"/>
-          </a:lnRef>
-          <a:fillRef idx="0">
-            <a:schemeClr val="accent1"/>
-          </a:fillRef>
-          <a:effectRef idx="0">
-            <a:schemeClr val="accent1"/>
-          </a:effectRef>
-          <a:fontRef idx="minor">
-            <a:schemeClr val="tx1"/>
-          </a:fontRef>
-        </p:style>
-        <p:txBody>
-          <a:bodyPr rtlCol="0" anchor="ctr"/>
-          <a:lstStyle/>
-          <a:p>
-            <a:pPr algn="ctr"/>
-            <a:endParaRPr lang="ko-KR" altLang="en-US"/>
-          </a:p>
-        </p:txBody>
-      </p:sp>
-      <p:sp>
-        <p:nvSpPr>
-          <p:cNvPr id="10" name="TextBox 9">
-            <a:extLst>
-              <a:ext uri="{FF2B5EF4-FFF2-40B4-BE49-F238E27FC236}">
-                <a16:creationId xmlns:a16="http://schemas.microsoft.com/office/drawing/2014/main" id="{232CA36E-EC0F-427A-905B-2C3972BBFCB3}"/>
-              </a:ext>
-            </a:extLst>
-          </p:cNvPr>
-          <p:cNvSpPr txBox="1"/>
-          <p:nvPr/>
-        </p:nvSpPr>
-        <p:spPr>
-          <a:xfrm>
-            <a:off x="1645596" y="3070158"/>
-            <a:ext cx="1005403" cy="584775"/>
-          </a:xfrm>
-          <a:prstGeom prst="rect">
-            <a:avLst/>
-          </a:prstGeom>
-          <a:noFill/>
-        </p:spPr>
-        <p:txBody>
-          <a:bodyPr wrap="none" rtlCol="0">
-            <a:spAutoFit/>
-          </a:bodyPr>
-          <a:lstStyle/>
-          <a:p>
-            <a:pPr algn="ctr"/>
-            <a:r>
-              <a:rPr lang="en-US" altLang="ko-KR" sz="3200" b="1" dirty="0">
-                <a:solidFill>
-                  <a:srgbClr val="40474D"/>
-                </a:solidFill>
-              </a:rPr>
-              <a:t>75%</a:t>
-            </a:r>
-            <a:endParaRPr lang="ko-KR" altLang="en-US" sz="3200" b="1" dirty="0">
-              <a:solidFill>
-                <a:srgbClr val="40474D"/>
-              </a:solidFill>
-            </a:endParaRPr>
-          </a:p>
-        </p:txBody>
-      </p:sp>
-      <p:sp>
-        <p:nvSpPr>
-          <p:cNvPr id="11" name="テキスト ボックス 17">
-            <a:extLst>
-              <a:ext uri="{FF2B5EF4-FFF2-40B4-BE49-F238E27FC236}">
-                <a16:creationId xmlns:a16="http://schemas.microsoft.com/office/drawing/2014/main" id="{D6ABE58D-D6BC-4D9C-BBB4-1EB854D4F3C1}"/>
-              </a:ext>
-            </a:extLst>
-          </p:cNvPr>
-          <p:cNvSpPr txBox="1"/>
-          <p:nvPr/>
-        </p:nvSpPr>
-        <p:spPr>
-          <a:xfrm>
-            <a:off x="1183751" y="5160165"/>
-            <a:ext cx="1939955" cy="369332"/>
-          </a:xfrm>
-          <a:prstGeom prst="rect">
-            <a:avLst/>
-          </a:prstGeom>
-          <a:noFill/>
-        </p:spPr>
-        <p:txBody>
-          <a:bodyPr wrap="none" rtlCol="0">
-            <a:spAutoFit/>
-          </a:bodyPr>
-          <a:lstStyle/>
-          <a:p>
-            <a:pPr algn="ctr"/>
-            <a:r>
-              <a:rPr lang="ko-KR" altLang="en-US" spc="-150" dirty="0">
-                <a:latin typeface="+mn-ea"/>
-              </a:rPr>
-              <a:t>소제목을 입력하세요</a:t>
-            </a:r>
-            <a:endParaRPr kumimoji="1" lang="ja-JP" altLang="en-US" spc="-150" dirty="0">
-              <a:latin typeface="+mn-ea"/>
-            </a:endParaRPr>
-          </a:p>
-        </p:txBody>
-      </p:sp>
-      <p:sp>
-        <p:nvSpPr>
-          <p:cNvPr id="12" name="원호 11">
-            <a:extLst>
-              <a:ext uri="{FF2B5EF4-FFF2-40B4-BE49-F238E27FC236}">
-                <a16:creationId xmlns:a16="http://schemas.microsoft.com/office/drawing/2014/main" id="{F1FE3761-30D0-4DC1-B79D-B2B07C495E85}"/>
-              </a:ext>
-            </a:extLst>
-          </p:cNvPr>
-          <p:cNvSpPr/>
-          <p:nvPr/>
-        </p:nvSpPr>
-        <p:spPr>
-          <a:xfrm rot="5400000">
-            <a:off x="5148118" y="2379829"/>
-            <a:ext cx="1965434" cy="1965434"/>
-          </a:xfrm>
-          <a:prstGeom prst="arc">
-            <a:avLst>
-              <a:gd name="adj1" fmla="val 14005023"/>
-              <a:gd name="adj2" fmla="val 21546426"/>
-            </a:avLst>
-          </a:prstGeom>
-          <a:ln w="254000">
-            <a:solidFill>
-              <a:schemeClr val="bg1">
-                <a:lumMod val="85000"/>
-              </a:schemeClr>
-            </a:solidFill>
-          </a:ln>
-        </p:spPr>
-        <p:style>
-          <a:lnRef idx="1">
-            <a:schemeClr val="accent1"/>
-          </a:lnRef>
-          <a:fillRef idx="0">
-            <a:schemeClr val="accent1"/>
-          </a:fillRef>
-          <a:effectRef idx="0">
-            <a:schemeClr val="accent1"/>
-          </a:effectRef>
-          <a:fontRef idx="minor">
-            <a:schemeClr val="tx1"/>
-          </a:fontRef>
-        </p:style>
-        <p:txBody>
-          <a:bodyPr rtlCol="0" anchor="ctr"/>
-          <a:lstStyle/>
-          <a:p>
-            <a:pPr algn="ctr"/>
-            <a:endParaRPr lang="ko-KR" altLang="en-US"/>
-          </a:p>
-        </p:txBody>
-      </p:sp>
-      <p:sp>
-        <p:nvSpPr>
-          <p:cNvPr id="13" name="원호 12">
-            <a:extLst>
-              <a:ext uri="{FF2B5EF4-FFF2-40B4-BE49-F238E27FC236}">
-                <a16:creationId xmlns:a16="http://schemas.microsoft.com/office/drawing/2014/main" id="{C61C9569-D883-46CE-ADAA-5A9178039024}"/>
-              </a:ext>
-            </a:extLst>
-          </p:cNvPr>
-          <p:cNvSpPr/>
-          <p:nvPr/>
-        </p:nvSpPr>
-        <p:spPr>
-          <a:xfrm>
-            <a:off x="4668103" y="2087441"/>
-            <a:ext cx="1965434" cy="1965434"/>
-          </a:xfrm>
-          <a:prstGeom prst="arc">
-            <a:avLst>
-              <a:gd name="adj1" fmla="val 5320067"/>
-              <a:gd name="adj2" fmla="val 17263767"/>
-            </a:avLst>
-          </a:prstGeom>
-          <a:ln w="381000">
-            <a:solidFill>
-              <a:schemeClr val="accent2"/>
-            </a:solidFill>
-          </a:ln>
-        </p:spPr>
-        <p:style>
-          <a:lnRef idx="1">
-            <a:schemeClr val="accent1"/>
-          </a:lnRef>
-          <a:fillRef idx="0">
-            <a:schemeClr val="accent1"/>
-          </a:fillRef>
-          <a:effectRef idx="0">
-            <a:schemeClr val="accent1"/>
-          </a:effectRef>
-          <a:fontRef idx="minor">
-            <a:schemeClr val="tx1"/>
-          </a:fontRef>
-        </p:style>
-        <p:txBody>
-          <a:bodyPr rtlCol="0" anchor="ctr"/>
-          <a:lstStyle/>
-          <a:p>
-            <a:pPr algn="ctr"/>
-            <a:endParaRPr lang="ko-KR" altLang="en-US"/>
-          </a:p>
-        </p:txBody>
-      </p:sp>
-      <p:sp>
-        <p:nvSpPr>
-          <p:cNvPr id="14" name="TextBox 13">
-            <a:extLst>
-              <a:ext uri="{FF2B5EF4-FFF2-40B4-BE49-F238E27FC236}">
-                <a16:creationId xmlns:a16="http://schemas.microsoft.com/office/drawing/2014/main" id="{7893E0E4-C7A7-4589-8C3B-E0A77FA32509}"/>
-              </a:ext>
-            </a:extLst>
-          </p:cNvPr>
-          <p:cNvSpPr txBox="1"/>
-          <p:nvPr/>
-        </p:nvSpPr>
-        <p:spPr>
-          <a:xfrm>
-            <a:off x="5628133" y="3070158"/>
-            <a:ext cx="1005404" cy="584775"/>
-          </a:xfrm>
-          <a:prstGeom prst="rect">
-            <a:avLst/>
-          </a:prstGeom>
-          <a:noFill/>
-        </p:spPr>
-        <p:txBody>
-          <a:bodyPr wrap="none" rtlCol="0">
-            <a:spAutoFit/>
-          </a:bodyPr>
-          <a:lstStyle/>
-          <a:p>
-            <a:pPr algn="ctr"/>
-            <a:r>
-              <a:rPr lang="en-US" altLang="ko-KR" sz="3200" b="1" dirty="0">
-                <a:solidFill>
-                  <a:srgbClr val="40474D"/>
-                </a:solidFill>
-              </a:rPr>
-              <a:t>67%</a:t>
-            </a:r>
-            <a:endParaRPr lang="ko-KR" altLang="en-US" sz="3200" b="1" dirty="0">
-              <a:solidFill>
-                <a:srgbClr val="40474D"/>
-              </a:solidFill>
-            </a:endParaRPr>
-          </a:p>
-        </p:txBody>
-      </p:sp>
-      <p:sp>
-        <p:nvSpPr>
-          <p:cNvPr id="15" name="テキスト ボックス 17">
-            <a:extLst>
-              <a:ext uri="{FF2B5EF4-FFF2-40B4-BE49-F238E27FC236}">
-                <a16:creationId xmlns:a16="http://schemas.microsoft.com/office/drawing/2014/main" id="{003A02C4-F4F4-4FD9-901A-367B243EA89C}"/>
-              </a:ext>
-            </a:extLst>
-          </p:cNvPr>
-          <p:cNvSpPr txBox="1"/>
-          <p:nvPr/>
-        </p:nvSpPr>
-        <p:spPr>
-          <a:xfrm>
-            <a:off x="5126022" y="5181899"/>
-            <a:ext cx="1939955" cy="369332"/>
-          </a:xfrm>
-          <a:prstGeom prst="rect">
-            <a:avLst/>
-          </a:prstGeom>
-          <a:noFill/>
-        </p:spPr>
-        <p:txBody>
-          <a:bodyPr wrap="none" rtlCol="0">
-            <a:spAutoFit/>
-          </a:bodyPr>
-          <a:lstStyle/>
-          <a:p>
-            <a:pPr algn="ctr"/>
-            <a:r>
-              <a:rPr lang="ko-KR" altLang="en-US" spc="-150" dirty="0">
-                <a:latin typeface="+mn-ea"/>
-              </a:rPr>
-              <a:t>소제목을 입력하세요</a:t>
-            </a:r>
-            <a:endParaRPr kumimoji="1" lang="ja-JP" altLang="en-US" spc="-150" dirty="0">
-              <a:latin typeface="+mn-ea"/>
-            </a:endParaRPr>
-          </a:p>
-        </p:txBody>
-      </p:sp>
-      <p:cxnSp>
-        <p:nvCxnSpPr>
-          <p:cNvPr id="16" name="직선 연결선 15">
-            <a:extLst>
-              <a:ext uri="{FF2B5EF4-FFF2-40B4-BE49-F238E27FC236}">
-                <a16:creationId xmlns:a16="http://schemas.microsoft.com/office/drawing/2014/main" id="{F838F067-BC3D-46B1-B1EE-8E57F2789120}"/>
-              </a:ext>
-            </a:extLst>
-          </p:cNvPr>
-          <p:cNvCxnSpPr/>
-          <p:nvPr/>
-        </p:nvCxnSpPr>
-        <p:spPr>
-          <a:xfrm>
-            <a:off x="5815875" y="4991959"/>
-            <a:ext cx="629920" cy="0"/>
-          </a:xfrm>
-          <a:prstGeom prst="line">
-            <a:avLst/>
-          </a:prstGeom>
-          <a:ln w="38100">
-            <a:solidFill>
-              <a:schemeClr val="bg1">
-                <a:lumMod val="85000"/>
-              </a:schemeClr>
-            </a:solidFill>
-          </a:ln>
-        </p:spPr>
-        <p:style>
-          <a:lnRef idx="1">
-            <a:schemeClr val="accent1"/>
-          </a:lnRef>
-          <a:fillRef idx="0">
-            <a:schemeClr val="accent1"/>
-          </a:fillRef>
-          <a:effectRef idx="0">
-            <a:schemeClr val="accent1"/>
-          </a:effectRef>
-          <a:fontRef idx="minor">
-            <a:schemeClr val="tx1"/>
-          </a:fontRef>
-        </p:style>
-      </p:cxnSp>
-      <p:sp>
-        <p:nvSpPr>
-          <p:cNvPr id="17" name="원호 16">
-            <a:extLst>
-              <a:ext uri="{FF2B5EF4-FFF2-40B4-BE49-F238E27FC236}">
-                <a16:creationId xmlns:a16="http://schemas.microsoft.com/office/drawing/2014/main" id="{C2427E6D-1E1D-42C0-96B3-C8061A63AA96}"/>
-              </a:ext>
-            </a:extLst>
-          </p:cNvPr>
-          <p:cNvSpPr/>
-          <p:nvPr/>
-        </p:nvSpPr>
-        <p:spPr>
-          <a:xfrm rot="5400000">
-            <a:off x="9130654" y="2379829"/>
-            <a:ext cx="1965434" cy="1965434"/>
-          </a:xfrm>
-          <a:prstGeom prst="arc">
-            <a:avLst>
-              <a:gd name="adj1" fmla="val 10523546"/>
-              <a:gd name="adj2" fmla="val 21546426"/>
-            </a:avLst>
-          </a:prstGeom>
-          <a:ln w="254000">
-            <a:solidFill>
-              <a:schemeClr val="bg1">
-                <a:lumMod val="85000"/>
-              </a:schemeClr>
-            </a:solidFill>
-          </a:ln>
-        </p:spPr>
-        <p:style>
-          <a:lnRef idx="1">
-            <a:schemeClr val="accent1"/>
-          </a:lnRef>
-          <a:fillRef idx="0">
-            <a:schemeClr val="accent1"/>
-          </a:fillRef>
-          <a:effectRef idx="0">
-            <a:schemeClr val="accent1"/>
-          </a:effectRef>
-          <a:fontRef idx="minor">
-            <a:schemeClr val="tx1"/>
-          </a:fontRef>
-        </p:style>
-        <p:txBody>
-          <a:bodyPr rtlCol="0" anchor="ctr"/>
-          <a:lstStyle/>
-          <a:p>
-            <a:pPr algn="ctr"/>
-            <a:endParaRPr lang="ko-KR" altLang="en-US"/>
-          </a:p>
-        </p:txBody>
-      </p:sp>
-      <p:sp>
-        <p:nvSpPr>
-          <p:cNvPr id="18" name="원호 17">
-            <a:extLst>
-              <a:ext uri="{FF2B5EF4-FFF2-40B4-BE49-F238E27FC236}">
-                <a16:creationId xmlns:a16="http://schemas.microsoft.com/office/drawing/2014/main" id="{08377839-AC27-4236-BCEE-14E4D73D5AD7}"/>
-              </a:ext>
-            </a:extLst>
-          </p:cNvPr>
-          <p:cNvSpPr/>
-          <p:nvPr/>
-        </p:nvSpPr>
-        <p:spPr>
-          <a:xfrm>
-            <a:off x="9130654" y="2379829"/>
-            <a:ext cx="1965434" cy="1965434"/>
-          </a:xfrm>
-          <a:prstGeom prst="arc">
-            <a:avLst>
-              <a:gd name="adj1" fmla="val 5320067"/>
-              <a:gd name="adj2" fmla="val 16420915"/>
-            </a:avLst>
-          </a:prstGeom>
-          <a:ln w="381000">
-            <a:solidFill>
-              <a:schemeClr val="accent6"/>
-            </a:solidFill>
-          </a:ln>
-        </p:spPr>
-        <p:style>
-          <a:lnRef idx="1">
-            <a:schemeClr val="accent1"/>
-          </a:lnRef>
-          <a:fillRef idx="0">
-            <a:schemeClr val="accent1"/>
-          </a:fillRef>
-          <a:effectRef idx="0">
-            <a:schemeClr val="accent1"/>
-          </a:effectRef>
-          <a:fontRef idx="minor">
-            <a:schemeClr val="tx1"/>
-          </a:fontRef>
-        </p:style>
-        <p:txBody>
-          <a:bodyPr rtlCol="0" anchor="ctr"/>
-          <a:lstStyle/>
-          <a:p>
-            <a:pPr algn="ctr"/>
-            <a:endParaRPr lang="ko-KR" altLang="en-US"/>
-          </a:p>
-        </p:txBody>
-      </p:sp>
-      <p:sp>
-        <p:nvSpPr>
-          <p:cNvPr id="19" name="TextBox 18">
-            <a:extLst>
-              <a:ext uri="{FF2B5EF4-FFF2-40B4-BE49-F238E27FC236}">
-                <a16:creationId xmlns:a16="http://schemas.microsoft.com/office/drawing/2014/main" id="{06E16C5D-6C0A-4F7E-90C9-2F77B60916BD}"/>
-              </a:ext>
-            </a:extLst>
-          </p:cNvPr>
-          <p:cNvSpPr txBox="1"/>
-          <p:nvPr/>
-        </p:nvSpPr>
-        <p:spPr>
-          <a:xfrm>
-            <a:off x="9610669" y="3070158"/>
-            <a:ext cx="1005403" cy="584775"/>
-          </a:xfrm>
-          <a:prstGeom prst="rect">
-            <a:avLst/>
-          </a:prstGeom>
-          <a:noFill/>
-        </p:spPr>
-        <p:txBody>
-          <a:bodyPr wrap="none" rtlCol="0">
-            <a:spAutoFit/>
-          </a:bodyPr>
-          <a:lstStyle/>
-          <a:p>
-            <a:pPr algn="ctr"/>
-            <a:r>
-              <a:rPr lang="en-US" altLang="ko-KR" sz="3200" b="1" dirty="0">
-                <a:solidFill>
-                  <a:srgbClr val="40474D"/>
-                </a:solidFill>
-              </a:rPr>
-              <a:t>51%</a:t>
-            </a:r>
-            <a:endParaRPr lang="ko-KR" altLang="en-US" sz="3200" b="1" dirty="0">
-              <a:solidFill>
-                <a:srgbClr val="40474D"/>
-              </a:solidFill>
-            </a:endParaRPr>
-          </a:p>
-        </p:txBody>
-      </p:sp>
-      <p:sp>
-        <p:nvSpPr>
-          <p:cNvPr id="20" name="テキスト ボックス 17">
-            <a:extLst>
-              <a:ext uri="{FF2B5EF4-FFF2-40B4-BE49-F238E27FC236}">
-                <a16:creationId xmlns:a16="http://schemas.microsoft.com/office/drawing/2014/main" id="{5FCD9DAE-CE7B-4C33-8AE0-E834F75F5B71}"/>
-              </a:ext>
-            </a:extLst>
-          </p:cNvPr>
-          <p:cNvSpPr txBox="1"/>
-          <p:nvPr/>
-        </p:nvSpPr>
-        <p:spPr>
-          <a:xfrm>
-            <a:off x="9130654" y="5181899"/>
-            <a:ext cx="1939955" cy="369332"/>
-          </a:xfrm>
-          <a:prstGeom prst="rect">
-            <a:avLst/>
-          </a:prstGeom>
-          <a:noFill/>
-        </p:spPr>
-        <p:txBody>
-          <a:bodyPr wrap="none" rtlCol="0">
-            <a:spAutoFit/>
-          </a:bodyPr>
-          <a:lstStyle/>
-          <a:p>
-            <a:pPr algn="ctr"/>
-            <a:r>
-              <a:rPr lang="ko-KR" altLang="en-US" spc="-150" dirty="0">
-                <a:latin typeface="+mn-ea"/>
-              </a:rPr>
-              <a:t>소제목을 입력하세요</a:t>
-            </a:r>
-            <a:endParaRPr kumimoji="1" lang="ja-JP" altLang="en-US" spc="-150" dirty="0">
-              <a:latin typeface="+mn-ea"/>
-            </a:endParaRPr>
-          </a:p>
-        </p:txBody>
-      </p:sp>
-      <p:cxnSp>
-        <p:nvCxnSpPr>
-          <p:cNvPr id="21" name="직선 연결선 20">
-            <a:extLst>
-              <a:ext uri="{FF2B5EF4-FFF2-40B4-BE49-F238E27FC236}">
-                <a16:creationId xmlns:a16="http://schemas.microsoft.com/office/drawing/2014/main" id="{E8DCBA4E-0F13-4E2E-A73C-D9C702509921}"/>
-              </a:ext>
-            </a:extLst>
-          </p:cNvPr>
-          <p:cNvCxnSpPr/>
-          <p:nvPr/>
-        </p:nvCxnSpPr>
-        <p:spPr>
-          <a:xfrm>
-            <a:off x="9798411" y="4991959"/>
-            <a:ext cx="629920" cy="0"/>
-          </a:xfrm>
-          <a:prstGeom prst="line">
-            <a:avLst/>
-          </a:prstGeom>
-          <a:ln w="38100">
-            <a:solidFill>
-              <a:schemeClr val="bg1">
-                <a:lumMod val="85000"/>
-              </a:schemeClr>
-            </a:solidFill>
-          </a:ln>
-        </p:spPr>
-        <p:style>
-          <a:lnRef idx="1">
-            <a:schemeClr val="accent1"/>
-          </a:lnRef>
-          <a:fillRef idx="0">
-            <a:schemeClr val="accent1"/>
-          </a:fillRef>
-          <a:effectRef idx="0">
-            <a:schemeClr val="accent1"/>
-          </a:effectRef>
-          <a:fontRef idx="minor">
-            <a:schemeClr val="tx1"/>
-          </a:fontRef>
-        </p:style>
-      </p:cxnSp>
-      <p:sp>
-        <p:nvSpPr>
-          <p:cNvPr id="22" name="직사각형 21">
-            <a:extLst>
-              <a:ext uri="{FF2B5EF4-FFF2-40B4-BE49-F238E27FC236}">
-                <a16:creationId xmlns:a16="http://schemas.microsoft.com/office/drawing/2014/main" id="{7EA29594-E1A8-4D96-8ED0-2C0240293073}"/>
-              </a:ext>
-            </a:extLst>
-          </p:cNvPr>
-          <p:cNvSpPr/>
-          <p:nvPr/>
-        </p:nvSpPr>
-        <p:spPr>
-          <a:xfrm rot="5400000">
-            <a:off x="2130297" y="4675592"/>
-            <a:ext cx="36000" cy="684000"/>
-          </a:xfrm>
-          <a:prstGeom prst="rect">
-            <a:avLst/>
-          </a:prstGeom>
-          <a:solidFill>
-            <a:schemeClr val="bg1">
-              <a:lumMod val="85000"/>
-            </a:schemeClr>
-          </a:solidFill>
-          <a:ln w="38100">
-            <a:noFill/>
-          </a:ln>
-        </p:spPr>
-        <p:style>
-          <a:lnRef idx="1">
-            <a:schemeClr val="accent1"/>
-          </a:lnRef>
-          <a:fillRef idx="0">
-            <a:schemeClr val="accent1"/>
-          </a:fillRef>
-          <a:effectRef idx="0">
-            <a:schemeClr val="accent1"/>
-          </a:effectRef>
-          <a:fontRef idx="minor">
-            <a:schemeClr val="tx1"/>
-          </a:fontRef>
-        </p:style>
-        <p:txBody>
-          <a:bodyPr rtlCol="0" anchor="ctr"/>
-          <a:lstStyle/>
-          <a:p>
-            <a:pPr algn="ctr"/>
-            <a:endParaRPr lang="ko-KR" altLang="en-US"/>
-          </a:p>
-        </p:txBody>
-      </p:sp>
-    </p:spTree>
-    <p:extLst>
-      <p:ext uri="{BB962C8B-B14F-4D97-AF65-F5344CB8AC3E}">
-        <p14:creationId xmlns:p14="http://schemas.microsoft.com/office/powerpoint/2010/main" val="4252955992"/>
       </p:ext>
     </p:extLst>
   </p:cSld>
@@ -28703,14 +27752,13 @@
 </file>
 
 <file path=ppt/slides/slide7.xml><?xml version="1.0" encoding="utf-8"?>
-<p:sld xmlns:a="http://schemas.openxmlformats.org/drawingml/2006/main" xmlns:r="http://schemas.openxmlformats.org/officeDocument/2006/relationships" xmlns:p="http://schemas.openxmlformats.org/presentationml/2006/main" showMasterSp="0">
+<p:sld xmlns:r="http://schemas.openxmlformats.org/officeDocument/2006/relationships" xmlns:c="http://schemas.openxmlformats.org/drawingml/2006/chart" xmlns:a="http://schemas.openxmlformats.org/drawingml/2006/main" xmlns:dgm="http://schemas.openxmlformats.org/drawingml/2006/diagram" xmlns:dsp="http://schemas.microsoft.com/office/drawing/2008/diagram" xmlns:p="http://schemas.openxmlformats.org/presentationml/2006/main" showMasterSp="0">
   <p:cSld>
     <p:bg>
-      <p:bgPr>
+      <p:bgPr shadeToTitle="0">
         <a:solidFill>
-          <a:srgbClr val="E8E2E2"/>
+          <a:srgbClr val="e8e2e2"/>
         </a:solidFill>
-        <a:effectLst/>
       </p:bgPr>
     </p:bg>
     <p:spTree>
@@ -28867,10 +27915,10 @@
       </p:pic>
       <p:pic>
         <p:nvPicPr>
-          <p:cNvPr id="10" name="Google Shape;224;p18">
-            <a:extLst>
-              <a:ext uri="{FF2B5EF4-FFF2-40B4-BE49-F238E27FC236}">
-                <a16:creationId xmlns:a16="http://schemas.microsoft.com/office/drawing/2014/main" id="{7A2EA1B5-4710-107F-374B-6643B6D8E6E0}"/>
+          <p:cNvPr id="11" name="Google Shape;225;p18">
+            <a:extLst>
+              <a:ext uri="{FF2B5EF4-FFF2-40B4-BE49-F238E27FC236}">
+                <a16:creationId xmlns:a16="http://schemas.microsoft.com/office/drawing/2014/main" id="{79D59E20-51DD-33EB-E846-40129523BE4E}"/>
               </a:ext>
             </a:extLst>
           </p:cNvPr>
@@ -28886,8 +27934,8 @@
         </p:blipFill>
         <p:spPr>
           <a:xfrm>
-            <a:off x="5017440" y="1537275"/>
-            <a:ext cx="1599161" cy="1311099"/>
+            <a:off x="487211" y="3194060"/>
+            <a:ext cx="2423625" cy="1222971"/>
           </a:xfrm>
           <a:prstGeom prst="rect">
             <a:avLst/>
@@ -28900,39 +27948,6 @@
       </p:pic>
       <p:pic>
         <p:nvPicPr>
-          <p:cNvPr id="11" name="Google Shape;225;p18">
-            <a:extLst>
-              <a:ext uri="{FF2B5EF4-FFF2-40B4-BE49-F238E27FC236}">
-                <a16:creationId xmlns:a16="http://schemas.microsoft.com/office/drawing/2014/main" id="{79D59E20-51DD-33EB-E846-40129523BE4E}"/>
-              </a:ext>
-            </a:extLst>
-          </p:cNvPr>
-          <p:cNvPicPr preferRelativeResize="0"/>
-          <p:nvPr/>
-        </p:nvPicPr>
-        <p:blipFill rotWithShape="1">
-          <a:blip r:embed="rId4" cstate="print">
-            <a:alphaModFix/>
-          </a:blip>
-          <a:srcRect/>
-          <a:stretch/>
-        </p:blipFill>
-        <p:spPr>
-          <a:xfrm>
-            <a:off x="487211" y="3194060"/>
-            <a:ext cx="2423625" cy="1222971"/>
-          </a:xfrm>
-          <a:prstGeom prst="rect">
-            <a:avLst/>
-          </a:prstGeom>
-          <a:noFill/>
-          <a:ln>
-            <a:noFill/>
-          </a:ln>
-        </p:spPr>
-      </p:pic>
-      <p:pic>
-        <p:nvPicPr>
           <p:cNvPr id="14" name="그림 13" descr="텍스트, 클립아트이(가) 표시된 사진&#10;&#10;자동 생성된 설명">
             <a:extLst>
               <a:ext uri="{FF2B5EF4-FFF2-40B4-BE49-F238E27FC236}">
@@ -28946,7 +27961,7 @@
           <p:nvPr/>
         </p:nvPicPr>
         <p:blipFill>
-          <a:blip r:embed="rId5" cstate="print">
+          <a:blip r:embed="rId4" cstate="print">
             <a:extLst>
               <a:ext uri="{28A0092B-C50C-407E-A947-70E740481C1C}">
                 <a14:useLocalDpi xmlns:a14="http://schemas.microsoft.com/office/drawing/2010/main" val="0"/>
@@ -28982,7 +27997,7 @@
           <p:nvPr/>
         </p:nvPicPr>
         <p:blipFill rotWithShape="1">
-          <a:blip r:embed="rId6"/>
+          <a:blip r:embed="rId5"/>
           <a:srcRect l="27795" t="20294" r="28187" b="23123"/>
           <a:stretch/>
         </p:blipFill>
@@ -29002,6 +28017,36 @@
             <a:extLst>
               <a:ext uri="{FF2B5EF4-FFF2-40B4-BE49-F238E27FC236}">
                 <a16:creationId xmlns:a16="http://schemas.microsoft.com/office/drawing/2014/main" id="{C22AA702-A74E-CE63-9695-0F792B632976}"/>
+              </a:ext>
+            </a:extLst>
+          </p:cNvPr>
+          <p:cNvPicPr>
+            <a:picLocks noChangeAspect="1"/>
+          </p:cNvPicPr>
+          <p:nvPr/>
+        </p:nvPicPr>
+        <p:blipFill>
+          <a:blip r:embed="rId6"/>
+          <a:stretch>
+            <a:fillRect/>
+          </a:stretch>
+        </p:blipFill>
+        <p:spPr>
+          <a:xfrm>
+            <a:off x="6162602" y="4944967"/>
+            <a:ext cx="3195567" cy="1017551"/>
+          </a:xfrm>
+          <a:prstGeom prst="rect">
+            <a:avLst/>
+          </a:prstGeom>
+        </p:spPr>
+      </p:pic>
+      <p:pic>
+        <p:nvPicPr>
+          <p:cNvPr id="18" name="그림 17">
+            <a:extLst>
+              <a:ext uri="{FF2B5EF4-FFF2-40B4-BE49-F238E27FC236}">
+                <a16:creationId xmlns:a16="http://schemas.microsoft.com/office/drawing/2014/main" id="{696DE489-DC84-9D4F-3A22-7A64DC5269D4}"/>
               </a:ext>
             </a:extLst>
           </p:cNvPr>
@@ -29018,8 +28063,8 @@
         </p:blipFill>
         <p:spPr>
           <a:xfrm>
-            <a:off x="6162602" y="4944967"/>
-            <a:ext cx="3195567" cy="1017551"/>
+            <a:off x="6942922" y="1532109"/>
+            <a:ext cx="2603372" cy="1301686"/>
           </a:xfrm>
           <a:prstGeom prst="rect">
             <a:avLst/>
@@ -29028,10 +28073,10 @@
       </p:pic>
       <p:pic>
         <p:nvPicPr>
-          <p:cNvPr id="18" name="그림 17">
-            <a:extLst>
-              <a:ext uri="{FF2B5EF4-FFF2-40B4-BE49-F238E27FC236}">
-                <a16:creationId xmlns:a16="http://schemas.microsoft.com/office/drawing/2014/main" id="{696DE489-DC84-9D4F-3A22-7A64DC5269D4}"/>
+          <p:cNvPr id="19" name="그림 18">
+            <a:extLst>
+              <a:ext uri="{FF2B5EF4-FFF2-40B4-BE49-F238E27FC236}">
+                <a16:creationId xmlns:a16="http://schemas.microsoft.com/office/drawing/2014/main" id="{0A83037E-092B-8079-9BD3-62BD8602B728}"/>
               </a:ext>
             </a:extLst>
           </p:cNvPr>
@@ -29040,16 +28085,45 @@
           </p:cNvPicPr>
           <p:nvPr/>
         </p:nvPicPr>
+        <p:blipFill rotWithShape="1">
+          <a:blip r:embed="rId8"/>
+          <a:srcRect l="28051" t="19804" r="30167" b="23145"/>
+          <a:stretch/>
+        </p:blipFill>
+        <p:spPr>
+          <a:xfrm>
+            <a:off x="3314950" y="3194060"/>
+            <a:ext cx="1642040" cy="1255599"/>
+          </a:xfrm>
+          <a:prstGeom prst="rect">
+            <a:avLst/>
+          </a:prstGeom>
+        </p:spPr>
+      </p:pic>
+      <p:pic>
+        <p:nvPicPr>
+          <p:cNvPr id="20" name="그림 19">
+            <a:extLst>
+              <a:ext uri="{FF2B5EF4-FFF2-40B4-BE49-F238E27FC236}">
+                <a16:creationId xmlns:a16="http://schemas.microsoft.com/office/drawing/2014/main" id="{88A8A571-855B-81C1-67CF-FCEB9CB55091}"/>
+              </a:ext>
+            </a:extLst>
+          </p:cNvPr>
+          <p:cNvPicPr>
+            <a:picLocks noChangeAspect="1"/>
+          </p:cNvPicPr>
+          <p:nvPr/>
+        </p:nvPicPr>
         <p:blipFill>
-          <a:blip r:embed="rId8"/>
+          <a:blip r:embed="rId9"/>
           <a:stretch>
             <a:fillRect/>
           </a:stretch>
         </p:blipFill>
         <p:spPr>
           <a:xfrm>
-            <a:off x="6942922" y="1532109"/>
-            <a:ext cx="2603372" cy="1301686"/>
+            <a:off x="9886282" y="4863895"/>
+            <a:ext cx="1230928" cy="1230928"/>
           </a:xfrm>
           <a:prstGeom prst="rect">
             <a:avLst/>
@@ -29058,39 +28132,10 @@
       </p:pic>
       <p:pic>
         <p:nvPicPr>
-          <p:cNvPr id="19" name="그림 18">
-            <a:extLst>
-              <a:ext uri="{FF2B5EF4-FFF2-40B4-BE49-F238E27FC236}">
-                <a16:creationId xmlns:a16="http://schemas.microsoft.com/office/drawing/2014/main" id="{0A83037E-092B-8079-9BD3-62BD8602B728}"/>
-              </a:ext>
-            </a:extLst>
-          </p:cNvPr>
-          <p:cNvPicPr>
-            <a:picLocks noChangeAspect="1"/>
-          </p:cNvPicPr>
-          <p:nvPr/>
-        </p:nvPicPr>
-        <p:blipFill rotWithShape="1">
-          <a:blip r:embed="rId9"/>
-          <a:srcRect l="28051" t="19804" r="30167" b="23145"/>
-          <a:stretch/>
-        </p:blipFill>
-        <p:spPr>
-          <a:xfrm>
-            <a:off x="3314950" y="3194060"/>
-            <a:ext cx="1642040" cy="1255599"/>
-          </a:xfrm>
-          <a:prstGeom prst="rect">
-            <a:avLst/>
-          </a:prstGeom>
-        </p:spPr>
-      </p:pic>
-      <p:pic>
-        <p:nvPicPr>
-          <p:cNvPr id="20" name="그림 19">
-            <a:extLst>
-              <a:ext uri="{FF2B5EF4-FFF2-40B4-BE49-F238E27FC236}">
-                <a16:creationId xmlns:a16="http://schemas.microsoft.com/office/drawing/2014/main" id="{88A8A571-855B-81C1-67CF-FCEB9CB55091}"/>
+          <p:cNvPr id="21" name="그림 20">
+            <a:extLst>
+              <a:ext uri="{FF2B5EF4-FFF2-40B4-BE49-F238E27FC236}">
+                <a16:creationId xmlns:a16="http://schemas.microsoft.com/office/drawing/2014/main" id="{A96FAAF1-1A12-BBEC-962A-A71DE68EAFF1}"/>
               </a:ext>
             </a:extLst>
           </p:cNvPr>
@@ -29107,8 +28152,8 @@
         </p:blipFill>
         <p:spPr>
           <a:xfrm>
-            <a:off x="9886282" y="4863895"/>
-            <a:ext cx="1230928" cy="1230928"/>
+            <a:off x="5306505" y="3169738"/>
+            <a:ext cx="1021030" cy="1281977"/>
           </a:xfrm>
           <a:prstGeom prst="rect">
             <a:avLst/>
@@ -29117,10 +28162,10 @@
       </p:pic>
       <p:pic>
         <p:nvPicPr>
-          <p:cNvPr id="21" name="그림 20">
-            <a:extLst>
-              <a:ext uri="{FF2B5EF4-FFF2-40B4-BE49-F238E27FC236}">
-                <a16:creationId xmlns:a16="http://schemas.microsoft.com/office/drawing/2014/main" id="{A96FAAF1-1A12-BBEC-962A-A71DE68EAFF1}"/>
+          <p:cNvPr id="22" name="그림 21">
+            <a:extLst>
+              <a:ext uri="{FF2B5EF4-FFF2-40B4-BE49-F238E27FC236}">
+                <a16:creationId xmlns:a16="http://schemas.microsoft.com/office/drawing/2014/main" id="{D9D99D69-287C-DE4A-FE66-E1D660582DFC}"/>
               </a:ext>
             </a:extLst>
           </p:cNvPr>
@@ -29129,73 +28174,43 @@
           </p:cNvPicPr>
           <p:nvPr/>
         </p:nvPicPr>
+        <p:blipFill rotWithShape="1">
+          <a:blip r:embed="rId11"/>
+          <a:srcRect l="5474" t="22378" r="6151" b="24101"/>
+          <a:stretch/>
+        </p:blipFill>
+        <p:spPr>
+          <a:xfrm>
+            <a:off x="6703717" y="3177152"/>
+            <a:ext cx="3021203" cy="1289414"/>
+          </a:xfrm>
+          <a:prstGeom prst="rect">
+            <a:avLst/>
+          </a:prstGeom>
+        </p:spPr>
+      </p:pic>
+      <p:pic>
+        <p:nvPicPr>
+          <p:cNvPr id="23" name="그림 22">
+            <a:extLst>
+              <a:ext uri="{FF2B5EF4-FFF2-40B4-BE49-F238E27FC236}">
+                <a16:creationId xmlns:a16="http://schemas.microsoft.com/office/drawing/2014/main" id="{5A5888F3-9F12-991B-BB44-983E9FC48D94}"/>
+              </a:ext>
+            </a:extLst>
+          </p:cNvPr>
+          <p:cNvPicPr>
+            <a:picLocks noChangeAspect="1"/>
+          </p:cNvPicPr>
+          <p:nvPr/>
+        </p:nvPicPr>
         <p:blipFill>
-          <a:blip r:embed="rId11"/>
+          <a:blip r:embed="rId12"/>
           <a:stretch>
             <a:fillRect/>
           </a:stretch>
         </p:blipFill>
         <p:spPr>
           <a:xfrm>
-            <a:off x="5306505" y="3169738"/>
-            <a:ext cx="1021030" cy="1281977"/>
-          </a:xfrm>
-          <a:prstGeom prst="rect">
-            <a:avLst/>
-          </a:prstGeom>
-        </p:spPr>
-      </p:pic>
-      <p:pic>
-        <p:nvPicPr>
-          <p:cNvPr id="22" name="그림 21">
-            <a:extLst>
-              <a:ext uri="{FF2B5EF4-FFF2-40B4-BE49-F238E27FC236}">
-                <a16:creationId xmlns:a16="http://schemas.microsoft.com/office/drawing/2014/main" id="{D9D99D69-287C-DE4A-FE66-E1D660582DFC}"/>
-              </a:ext>
-            </a:extLst>
-          </p:cNvPr>
-          <p:cNvPicPr>
-            <a:picLocks noChangeAspect="1"/>
-          </p:cNvPicPr>
-          <p:nvPr/>
-        </p:nvPicPr>
-        <p:blipFill rotWithShape="1">
-          <a:blip r:embed="rId12"/>
-          <a:srcRect l="5474" t="22378" r="6151" b="24101"/>
-          <a:stretch/>
-        </p:blipFill>
-        <p:spPr>
-          <a:xfrm>
-            <a:off x="6703717" y="3177152"/>
-            <a:ext cx="3021203" cy="1289414"/>
-          </a:xfrm>
-          <a:prstGeom prst="rect">
-            <a:avLst/>
-          </a:prstGeom>
-        </p:spPr>
-      </p:pic>
-      <p:pic>
-        <p:nvPicPr>
-          <p:cNvPr id="23" name="그림 22">
-            <a:extLst>
-              <a:ext uri="{FF2B5EF4-FFF2-40B4-BE49-F238E27FC236}">
-                <a16:creationId xmlns:a16="http://schemas.microsoft.com/office/drawing/2014/main" id="{5A5888F3-9F12-991B-BB44-983E9FC48D94}"/>
-              </a:ext>
-            </a:extLst>
-          </p:cNvPr>
-          <p:cNvPicPr>
-            <a:picLocks noChangeAspect="1"/>
-          </p:cNvPicPr>
-          <p:nvPr/>
-        </p:nvPicPr>
-        <p:blipFill>
-          <a:blip r:embed="rId13"/>
-          <a:stretch>
-            <a:fillRect/>
-          </a:stretch>
-        </p:blipFill>
-        <p:spPr>
-          <a:xfrm>
             <a:off x="487211" y="1551884"/>
             <a:ext cx="1311099" cy="1311099"/>
           </a:xfrm>
@@ -29219,7 +28234,7 @@
           <p:nvPr/>
         </p:nvPicPr>
         <p:blipFill>
-          <a:blip r:embed="rId14"/>
+          <a:blip r:embed="rId13"/>
           <a:stretch>
             <a:fillRect/>
           </a:stretch>
@@ -29402,7 +28417,7 @@
               <p:nvPr/>
             </p:nvPicPr>
             <p:blipFill>
-              <a:blip r:embed="rId15"/>
+              <a:blip r:embed="rId14"/>
               <a:stretch>
                 <a:fillRect/>
               </a:stretch>
@@ -29420,6 +28435,30 @@
           </p:pic>
         </p:grpSp>
       </p:grpSp>
+      <p:pic>
+        <p:nvPicPr>
+          <p:cNvPr id="30" name="그림 29"/>
+          <p:cNvPicPr>
+            <a:picLocks noChangeAspect="1"/>
+          </p:cNvPicPr>
+          <p:nvPr/>
+        </p:nvPicPr>
+        <p:blipFill rotWithShape="1">
+          <a:blip r:embed="rId15"/>
+          <a:stretch>
+            <a:fillRect/>
+          </a:stretch>
+        </p:blipFill>
+        <p:spPr>
+          <a:xfrm>
+            <a:off x="5006931" y="1555316"/>
+            <a:ext cx="1864986" cy="1398739"/>
+          </a:xfrm>
+          <a:prstGeom prst="rect">
+            <a:avLst/>
+          </a:prstGeom>
+        </p:spPr>
+      </p:pic>
     </p:spTree>
     <p:extLst>
       <p:ext uri="{BB962C8B-B14F-4D97-AF65-F5344CB8AC3E}">
@@ -29430,14 +28469,14 @@
   <p:clrMapOvr>
     <a:masterClrMapping/>
   </p:clrMapOvr>
-  <mc:AlternateContent xmlns:mc="http://schemas.openxmlformats.org/markup-compatibility/2006" xmlns:p14="http://schemas.microsoft.com/office/powerpoint/2010/main">
-    <mc:Choice Requires="p14">
-      <p:transition spd="med" p14:dur="700">
+  <mc:AlternateContent xmlns:mc="http://schemas.openxmlformats.org/markup-compatibility/2006">
+    <mc:Choice xmlns:p14="http://schemas.microsoft.com/office/powerpoint/2010/main" Requires="p14">
+      <p:transition xmlns:mc="http://schemas.openxmlformats.org/markup-compatibility/2006" xmlns:p14="http://schemas.microsoft.com/office/powerpoint/2010/main" mc:Ignorable="p14" p14:dur="700">
         <p:fade/>
       </p:transition>
     </mc:Choice>
-    <mc:Fallback xmlns="">
-      <p:transition spd="med">
+    <mc:Fallback>
+      <p:transition xmlns:mc="http://schemas.openxmlformats.org/markup-compatibility/2006" xmlns:hp="http://schemas.haansoft.com/office/presentation/8.0" mc:Ignorable="hp" hp:hslDur="700">
         <p:fade/>
       </p:transition>
     </mc:Fallback>
@@ -31044,38 +30083,38 @@
 </file>
 
 <file path=ppt/theme/theme1.xml><?xml version="1.0" encoding="utf-8"?>
-<a:theme xmlns:a="http://schemas.openxmlformats.org/drawingml/2006/main" name="Office 테마">
+<a:theme xmlns:r="http://schemas.openxmlformats.org/officeDocument/2006/relationships" xmlns:c="http://schemas.openxmlformats.org/drawingml/2006/chart" xmlns:dgm="http://schemas.openxmlformats.org/drawingml/2006/diagram" xmlns:dsp="http://schemas.microsoft.com/office/drawing/2008/diagram" xmlns:a="http://schemas.openxmlformats.org/drawingml/2006/main" xmlns:pic="http://schemas.openxmlformats.org/drawingml/2006/picture" xmlns:wp="http://schemas.openxmlformats.org/drawingml/2006/wordprocessingDrawing" xmlns:xdr="http://schemas.openxmlformats.org/drawingml/2006/spreadsheetDrawing" xmlns:lc="http://schemas.openxmlformats.org/drawingml/2006/lockedCanvas" xmlns:p="http://schemas.openxmlformats.org/presentationml/2006/main" name="Office 테마">
   <a:themeElements>
     <a:clrScheme name="111 고르곤졸라">
       <a:dk1>
-        <a:srgbClr val="3A3838"/>
+        <a:srgbClr val="3a3838"/>
       </a:dk1>
       <a:lt1>
-        <a:srgbClr val="FFFFFF"/>
+        <a:srgbClr val="ffffff"/>
       </a:lt1>
       <a:dk2>
-        <a:srgbClr val="5D5B5B"/>
+        <a:srgbClr val="5d5b5b"/>
       </a:dk2>
       <a:lt2>
-        <a:srgbClr val="F2F2F2"/>
+        <a:srgbClr val="f2f2f2"/>
       </a:lt2>
       <a:accent1>
-        <a:srgbClr val="5F5F5D"/>
+        <a:srgbClr val="5f5f5d"/>
       </a:accent1>
       <a:accent2>
-        <a:srgbClr val="7C7C7A"/>
+        <a:srgbClr val="7c7c7a"/>
       </a:accent2>
       <a:accent3>
-        <a:srgbClr val="BEB7B1"/>
+        <a:srgbClr val="beb7b1"/>
       </a:accent3>
       <a:accent4>
-        <a:srgbClr val="3D3A35"/>
+        <a:srgbClr val="3d3a35"/>
       </a:accent4>
       <a:accent5>
-        <a:srgbClr val="D1C6AE"/>
+        <a:srgbClr val="d1c6ae"/>
       </a:accent5>
       <a:accent6>
-        <a:srgbClr val="DFD8C7"/>
+        <a:srgbClr val="dfd8c7"/>
       </a:accent6>
       <a:hlink>
         <a:srgbClr val="757070"/>
@@ -31160,21 +30199,21 @@
             <a:schemeClr val="phClr"/>
           </a:solidFill>
           <a:prstDash val="solid"/>
-          <a:miter lim="800000"/>
+          <a:miter/>
         </a:ln>
         <a:ln w="12700" cap="flat" cmpd="sng" algn="ctr">
           <a:solidFill>
             <a:schemeClr val="phClr"/>
           </a:solidFill>
           <a:prstDash val="solid"/>
-          <a:miter lim="800000"/>
+          <a:miter/>
         </a:ln>
         <a:ln w="19050" cap="flat" cmpd="sng" algn="ctr">
           <a:solidFill>
             <a:schemeClr val="phClr"/>
           </a:solidFill>
           <a:prstDash val="solid"/>
-          <a:miter lim="800000"/>
+          <a:miter/>
         </a:ln>
       </a:lnStyleLst>
       <a:effectStyleLst>
@@ -31267,12 +30306,30 @@
         </a:fontRef>
       </a:style>
     </a:spDef>
+    <a:lnDef>
+      <a:spPr/>
+      <a:bodyPr/>
+      <a:lstStyle/>
+      <a:style>
+        <a:lnRef idx="1">
+          <a:schemeClr val="accent1"/>
+        </a:lnRef>
+        <a:fillRef idx="0">
+          <a:schemeClr val="accent1"/>
+        </a:fillRef>
+        <a:effectRef idx="0">
+          <a:schemeClr val="accent1"/>
+        </a:effectRef>
+        <a:fontRef idx="minor">
+          <a:schemeClr val="tx1"/>
+        </a:fontRef>
+      </a:style>
+    </a:lnDef>
+    <a:txDef>
+      <a:spPr/>
+      <a:bodyPr/>
+      <a:lstStyle/>
+    </a:txDef>
   </a:objectDefaults>
-  <a:extraClrSchemeLst/>
-  <a:extLst>
-    <a:ext uri="{05A4C25C-085E-4340-85A3-A5531E510DB2}">
-      <thm15:themeFamily xmlns:thm15="http://schemas.microsoft.com/office/thememl/2012/main" name="Office Theme" id="{62F939B6-93AF-4DB8-9C6B-D6C7DFDC589F}" vid="{4A3C46E8-61CC-4603-A589-7422A47A8E4A}"/>
-    </a:ext>
-  </a:extLst>
 </a:theme>
 </file>
--- a/산출물/1팀 피피티.pptx
+++ b/산출물/1팀 피피티.pptx
@@ -1,6 +1,6 @@
 
 <file path=ppt/presentation.xml><?xml version="1.0" encoding="utf-8"?>
-<p:presentation xmlns:r="http://schemas.openxmlformats.org/officeDocument/2006/relationships" xmlns:c="http://schemas.openxmlformats.org/drawingml/2006/chart" xmlns:a="http://schemas.openxmlformats.org/drawingml/2006/main" xmlns:dgm="http://schemas.openxmlformats.org/drawingml/2006/diagram" xmlns:dsp="http://schemas.microsoft.com/office/drawing/2008/diagram" xmlns:p="http://schemas.openxmlformats.org/presentationml/2006/main">
+<p:presentation xmlns:a="http://schemas.openxmlformats.org/drawingml/2006/main" xmlns:r="http://schemas.openxmlformats.org/officeDocument/2006/relationships" xmlns:p="http://schemas.openxmlformats.org/presentationml/2006/main">
   <p:sldMasterIdLst>
     <p:sldMasterId id="2147483648" r:id="rId1"/>
   </p:sldMasterIdLst>
@@ -144,6 +144,22 @@
       </a:defRPr>
     </a:lvl9pPr>
   </p:defaultTextStyle>
+  <p:extLst>
+    <p:ext uri="{EFAFB233-063F-42B5-8137-9DF3F51BA10A}">
+      <p15:sldGuideLst xmlns:p15="http://schemas.microsoft.com/office/powerpoint/2012/main">
+        <p15:guide id="1" orient="horz" pos="2159">
+          <p15:clr>
+            <a:srgbClr val="A4A3A4"/>
+          </p15:clr>
+        </p15:guide>
+        <p15:guide id="2" pos="3839">
+          <p15:clr>
+            <a:srgbClr val="A4A3A4"/>
+          </p15:clr>
+        </p15:guide>
+      </p15:sldGuideLst>
+    </p:ext>
+  </p:extLst>
 </p:presentation>
 </file>
 
@@ -1420,7 +1436,7 @@
         <a:ln w="12700" cap="flat" cmpd="sng" algn="ctr">
           <a:noFill/>
           <a:prstDash val="solid"/>
-          <a:miter lim="800000"/>
+          <a:miter/>
         </a:ln>
         <a:effectLst/>
       </dsp:spPr>
@@ -1490,7 +1506,7 @@
         <a:ln w="12700" cap="flat" cmpd="sng" algn="ctr">
           <a:noFill/>
           <a:prstDash val="solid"/>
-          <a:miter lim="800000"/>
+          <a:miter/>
         </a:ln>
         <a:effectLst/>
       </dsp:spPr>
@@ -1560,7 +1576,7 @@
         <a:ln w="12700" cap="flat" cmpd="sng" algn="ctr">
           <a:noFill/>
           <a:prstDash val="solid"/>
-          <a:miter lim="800000"/>
+          <a:miter/>
         </a:ln>
         <a:effectLst/>
       </dsp:spPr>
@@ -1630,7 +1646,7 @@
         <a:ln w="12700" cap="flat" cmpd="sng" algn="ctr">
           <a:noFill/>
           <a:prstDash val="solid"/>
-          <a:miter lim="800000"/>
+          <a:miter/>
         </a:ln>
         <a:effectLst/>
       </dsp:spPr>
@@ -3256,7 +3272,7 @@
           <a:p>
             <a:fld id="{246E467A-4026-4A8D-97BF-715EF7FA6491}" type="datetimeFigureOut">
               <a:rPr lang="ko-KR" altLang="en-US" smtClean="0"/>
-              <a:t>2023-06-30</a:t>
+              <a:t>2023-07-03</a:t>
             </a:fld>
             <a:endParaRPr lang="ko-KR" altLang="en-US"/>
           </a:p>
@@ -3454,7 +3470,7 @@
           <a:p>
             <a:fld id="{246E467A-4026-4A8D-97BF-715EF7FA6491}" type="datetimeFigureOut">
               <a:rPr lang="ko-KR" altLang="en-US" smtClean="0"/>
-              <a:t>2023-06-30</a:t>
+              <a:t>2023-07-03</a:t>
             </a:fld>
             <a:endParaRPr lang="ko-KR" altLang="en-US"/>
           </a:p>
@@ -3662,7 +3678,7 @@
           <a:p>
             <a:fld id="{246E467A-4026-4A8D-97BF-715EF7FA6491}" type="datetimeFigureOut">
               <a:rPr lang="ko-KR" altLang="en-US" smtClean="0"/>
-              <a:t>2023-06-30</a:t>
+              <a:t>2023-07-03</a:t>
             </a:fld>
             <a:endParaRPr lang="ko-KR" altLang="en-US"/>
           </a:p>
@@ -3860,7 +3876,7 @@
           <a:p>
             <a:fld id="{246E467A-4026-4A8D-97BF-715EF7FA6491}" type="datetimeFigureOut">
               <a:rPr lang="ko-KR" altLang="en-US" smtClean="0"/>
-              <a:t>2023-06-30</a:t>
+              <a:t>2023-07-03</a:t>
             </a:fld>
             <a:endParaRPr lang="ko-KR" altLang="en-US"/>
           </a:p>
@@ -4135,7 +4151,7 @@
           <a:p>
             <a:fld id="{246E467A-4026-4A8D-97BF-715EF7FA6491}" type="datetimeFigureOut">
               <a:rPr lang="ko-KR" altLang="en-US" smtClean="0"/>
-              <a:t>2023-06-30</a:t>
+              <a:t>2023-07-03</a:t>
             </a:fld>
             <a:endParaRPr lang="ko-KR" altLang="en-US"/>
           </a:p>
@@ -4400,7 +4416,7 @@
           <a:p>
             <a:fld id="{246E467A-4026-4A8D-97BF-715EF7FA6491}" type="datetimeFigureOut">
               <a:rPr lang="ko-KR" altLang="en-US" smtClean="0"/>
-              <a:t>2023-06-30</a:t>
+              <a:t>2023-07-03</a:t>
             </a:fld>
             <a:endParaRPr lang="ko-KR" altLang="en-US"/>
           </a:p>
@@ -4812,7 +4828,7 @@
           <a:p>
             <a:fld id="{246E467A-4026-4A8D-97BF-715EF7FA6491}" type="datetimeFigureOut">
               <a:rPr lang="ko-KR" altLang="en-US" smtClean="0"/>
-              <a:t>2023-06-30</a:t>
+              <a:t>2023-07-03</a:t>
             </a:fld>
             <a:endParaRPr lang="ko-KR" altLang="en-US"/>
           </a:p>
@@ -4953,7 +4969,7 @@
           <a:p>
             <a:fld id="{246E467A-4026-4A8D-97BF-715EF7FA6491}" type="datetimeFigureOut">
               <a:rPr lang="ko-KR" altLang="en-US" smtClean="0"/>
-              <a:t>2023-06-30</a:t>
+              <a:t>2023-07-03</a:t>
             </a:fld>
             <a:endParaRPr lang="ko-KR" altLang="en-US"/>
           </a:p>
@@ -5066,7 +5082,7 @@
           <a:p>
             <a:fld id="{246E467A-4026-4A8D-97BF-715EF7FA6491}" type="datetimeFigureOut">
               <a:rPr lang="ko-KR" altLang="en-US" smtClean="0"/>
-              <a:t>2023-06-30</a:t>
+              <a:t>2023-07-03</a:t>
             </a:fld>
             <a:endParaRPr lang="ko-KR" altLang="en-US"/>
           </a:p>
@@ -5377,7 +5393,7 @@
           <a:p>
             <a:fld id="{246E467A-4026-4A8D-97BF-715EF7FA6491}" type="datetimeFigureOut">
               <a:rPr lang="ko-KR" altLang="en-US" smtClean="0"/>
-              <a:t>2023-06-30</a:t>
+              <a:t>2023-07-03</a:t>
             </a:fld>
             <a:endParaRPr lang="ko-KR" altLang="en-US"/>
           </a:p>
@@ -5665,7 +5681,7 @@
           <a:p>
             <a:fld id="{246E467A-4026-4A8D-97BF-715EF7FA6491}" type="datetimeFigureOut">
               <a:rPr lang="ko-KR" altLang="en-US" smtClean="0"/>
-              <a:t>2023-06-30</a:t>
+              <a:t>2023-07-03</a:t>
             </a:fld>
             <a:endParaRPr lang="ko-KR" altLang="en-US"/>
           </a:p>
@@ -5906,7 +5922,7 @@
           <a:p>
             <a:fld id="{246E467A-4026-4A8D-97BF-715EF7FA6491}" type="datetimeFigureOut">
               <a:rPr lang="ko-KR" altLang="en-US" smtClean="0"/>
-              <a:t>2023-06-30</a:t>
+              <a:t>2023-07-03</a:t>
             </a:fld>
             <a:endParaRPr lang="ko-KR" altLang="en-US"/>
           </a:p>
@@ -7606,15 +7622,7 @@
                 <a:ea typeface="문체부 쓰기 정체" panose="02030609000101010101" pitchFamily="17" charset="-127"/>
                 <a:cs typeface="Arial" panose="020B0604020202020204" pitchFamily="34" charset="0"/>
               </a:rPr>
-              <a:t>문의 </a:t>
-            </a:r>
-            <a:r>
-              <a:rPr lang="ko-KR" altLang="en-US" sz="2800" b="1" spc="-300" dirty="0" smtClean="0">
-                <a:latin typeface="Arial" panose="020B0604020202020204" pitchFamily="34" charset="0"/>
-                <a:ea typeface="문체부 쓰기 정체" panose="02030609000101010101" pitchFamily="17" charset="-127"/>
-                <a:cs typeface="Arial" panose="020B0604020202020204" pitchFamily="34" charset="0"/>
-              </a:rPr>
-              <a:t>응대</a:t>
+              <a:t>문의 응대</a:t>
             </a:r>
             <a:endParaRPr lang="en-US" altLang="ko-KR" sz="2800" b="1" spc="-300" dirty="0">
               <a:latin typeface="Arial" panose="020B0604020202020204" pitchFamily="34" charset="0"/>
@@ -7742,15 +7750,7 @@
                 <a:ea typeface="문체부 쓰기 정체" panose="02030609000101010101" pitchFamily="17" charset="-127"/>
                 <a:cs typeface="Arial" panose="020B0604020202020204" pitchFamily="34" charset="0"/>
               </a:rPr>
-              <a:t>문의 </a:t>
-            </a:r>
-            <a:r>
-              <a:rPr lang="ko-KR" altLang="en-US" sz="2800" b="1" spc="-300" dirty="0" smtClean="0">
-                <a:latin typeface="Arial" panose="020B0604020202020204" pitchFamily="34" charset="0"/>
-                <a:ea typeface="문체부 쓰기 정체" panose="02030609000101010101" pitchFamily="17" charset="-127"/>
-                <a:cs typeface="Arial" panose="020B0604020202020204" pitchFamily="34" charset="0"/>
-              </a:rPr>
-              <a:t>응대</a:t>
+              <a:t>문의 응대</a:t>
             </a:r>
             <a:endParaRPr lang="ko-KR" altLang="en-US" sz="2800" b="1" spc="-300" dirty="0">
               <a:latin typeface="Arial" panose="020B0604020202020204" pitchFamily="34" charset="0"/>
@@ -8491,14 +8491,6 @@
               </a:rPr>
               <a:t>공지사항 및 이벤트</a:t>
             </a:r>
-            <a:endParaRPr lang="ko-KR" altLang="en-US" sz="2400" b="1" dirty="0">
-              <a:solidFill>
-                <a:schemeClr val="bg1">
-                  <a:lumMod val="95000"/>
-                </a:schemeClr>
-              </a:solidFill>
-              <a:ea typeface="문체부 쓰기 정체" panose="02030609000101010101" pitchFamily="17" charset="-127"/>
-            </a:endParaRPr>
           </a:p>
         </p:txBody>
       </p:sp>
@@ -8718,14 +8710,6 @@
               </a:rPr>
               <a:t>스토어 관리</a:t>
             </a:r>
-            <a:endParaRPr lang="ko-KR" altLang="en-US" sz="2400" b="1" dirty="0">
-              <a:solidFill>
-                <a:schemeClr val="bg1">
-                  <a:lumMod val="95000"/>
-                </a:schemeClr>
-              </a:solidFill>
-              <a:ea typeface="문체부 쓰기 정체" panose="02030609000101010101" pitchFamily="17" charset="-127"/>
-            </a:endParaRPr>
           </a:p>
         </p:txBody>
       </p:sp>
@@ -9146,14 +9130,6 @@
               </a:rPr>
               <a:t>문의 응대</a:t>
             </a:r>
-            <a:endParaRPr lang="ko-KR" altLang="en-US" sz="2800" b="1" dirty="0">
-              <a:solidFill>
-                <a:schemeClr val="bg1">
-                  <a:lumMod val="95000"/>
-                </a:schemeClr>
-              </a:solidFill>
-              <a:ea typeface="문체부 쓰기 정체" panose="02030609000101010101" pitchFamily="17" charset="-127"/>
-            </a:endParaRPr>
           </a:p>
         </p:txBody>
       </p:sp>
@@ -9437,14 +9413,6 @@
               </a:rPr>
               <a:t>블랙리스트</a:t>
             </a:r>
-            <a:endParaRPr lang="ko-KR" altLang="en-US" sz="2400" b="1" dirty="0">
-              <a:solidFill>
-                <a:schemeClr val="bg1">
-                  <a:lumMod val="95000"/>
-                </a:schemeClr>
-              </a:solidFill>
-              <a:ea typeface="문체부 쓰기 정체" panose="02030609000101010101" pitchFamily="17" charset="-127"/>
-            </a:endParaRPr>
           </a:p>
         </p:txBody>
       </p:sp>
@@ -9652,14 +9620,6 @@
               </a:rPr>
               <a:t>신고 게시물 관리</a:t>
             </a:r>
-            <a:endParaRPr lang="ko-KR" altLang="en-US" sz="2400" b="1" dirty="0">
-              <a:solidFill>
-                <a:schemeClr val="bg1">
-                  <a:lumMod val="95000"/>
-                </a:schemeClr>
-              </a:solidFill>
-              <a:ea typeface="문체부 쓰기 정체" panose="02030609000101010101" pitchFamily="17" charset="-127"/>
-            </a:endParaRPr>
           </a:p>
         </p:txBody>
       </p:sp>
@@ -9759,13 +9719,14 @@
 </file>
 
 <file path=ppt/slides/slide13.xml><?xml version="1.0" encoding="utf-8"?>
-<p:sld xmlns:r="http://schemas.openxmlformats.org/officeDocument/2006/relationships" xmlns:c="http://schemas.openxmlformats.org/drawingml/2006/chart" xmlns:a="http://schemas.openxmlformats.org/drawingml/2006/main" xmlns:dgm="http://schemas.openxmlformats.org/drawingml/2006/diagram" xmlns:dsp="http://schemas.microsoft.com/office/drawing/2008/diagram" xmlns:p="http://schemas.openxmlformats.org/presentationml/2006/main">
+<p:sld xmlns:a="http://schemas.openxmlformats.org/drawingml/2006/main" xmlns:r="http://schemas.openxmlformats.org/officeDocument/2006/relationships" xmlns:p="http://schemas.openxmlformats.org/presentationml/2006/main">
   <p:cSld>
     <p:bg>
-      <p:bgPr shadeToTitle="0">
+      <p:bgPr>
         <a:solidFill>
-          <a:srgbClr val="e8e2e2"/>
+          <a:srgbClr val="E8E2E2"/>
         </a:solidFill>
+        <a:effectLst/>
       </p:bgPr>
     </p:bg>
     <p:spTree>
@@ -10298,31 +10259,7 @@
               <a:rPr lang="ko-KR" altLang="en-US" sz="2400" dirty="0" smtClean="0">
                 <a:ea typeface="문체부 쓰기 정체" panose="02030609000101010101" pitchFamily="17" charset="-127"/>
               </a:rPr>
-              <a:t>예매 시 입력한 </a:t>
-            </a:r>
-            <a:r>
-              <a:rPr lang="ko-KR" altLang="en-US" sz="2400" dirty="0" smtClean="0">
-                <a:ea typeface="문체부 쓰기 정체" panose="02030609000101010101" pitchFamily="17" charset="-127"/>
-              </a:rPr>
-              <a:t>개인</a:t>
-            </a:r>
-            <a:r>
-              <a:rPr lang="ko-KR" altLang="en-US" sz="2400" dirty="0" smtClean="0">
-                <a:ea typeface="문체부 쓰기 정체" panose="02030609000101010101" pitchFamily="17" charset="-127"/>
-              </a:rPr>
-              <a:t>정보</a:t>
-            </a:r>
-            <a:r>
-              <a:rPr lang="ko-KR" altLang="en-US" sz="2400" dirty="0" smtClean="0">
-                <a:ea typeface="문체부 쓰기 정체" panose="02030609000101010101" pitchFamily="17" charset="-127"/>
-              </a:rPr>
-              <a:t>로 </a:t>
-            </a:r>
-            <a:r>
-              <a:rPr lang="ko-KR" altLang="en-US" sz="2400" dirty="0" smtClean="0">
-                <a:ea typeface="문체부 쓰기 정체" panose="02030609000101010101" pitchFamily="17" charset="-127"/>
-              </a:rPr>
-              <a:t>비회원 로그인</a:t>
+              <a:t>예매 시 입력한 개인정보로 비회원 로그인</a:t>
             </a:r>
             <a:endParaRPr lang="en-US" altLang="ko-KR" sz="2400" dirty="0" smtClean="0">
               <a:ea typeface="문체부 쓰기 정체" panose="02030609000101010101" pitchFamily="17" charset="-127"/>
@@ -10885,13 +10822,7 @@
               <a:rPr lang="ko-KR" altLang="en-US" sz="2400" dirty="0" smtClean="0">
                 <a:ea typeface="문체부 쓰기 정체" panose="02030609000101010101" pitchFamily="17" charset="-127"/>
               </a:rPr>
-              <a:t>포인트 </a:t>
-            </a:r>
-            <a:r>
-              <a:rPr lang="ko-KR" altLang="en-US" sz="2400" dirty="0" smtClean="0">
-                <a:ea typeface="문체부 쓰기 정체" panose="02030609000101010101" pitchFamily="17" charset="-127"/>
-              </a:rPr>
-              <a:t>조회</a:t>
+              <a:t>포인트 조회</a:t>
             </a:r>
             <a:endParaRPr lang="en-US" altLang="ko-KR" sz="2400" dirty="0" smtClean="0">
               <a:ea typeface="문체부 쓰기 정체" panose="02030609000101010101" pitchFamily="17" charset="-127"/>
@@ -10909,31 +10840,19 @@
               <a:rPr lang="ko-KR" altLang="en-US" sz="2400" dirty="0" smtClean="0">
                 <a:ea typeface="문체부 쓰기 정체" panose="02030609000101010101" pitchFamily="17" charset="-127"/>
               </a:rPr>
-              <a:t>무비 </a:t>
+              <a:t>무비 스토리</a:t>
+            </a:r>
+            <a:r>
+              <a:rPr lang="en-US" altLang="ko-KR" sz="2400" dirty="0" smtClean="0">
+                <a:ea typeface="문체부 쓰기 정체" panose="02030609000101010101" pitchFamily="17" charset="-127"/>
+              </a:rPr>
+              <a:t>,</a:t>
             </a:r>
             <a:r>
               <a:rPr lang="ko-KR" altLang="en-US" sz="2400" dirty="0" smtClean="0">
                 <a:ea typeface="문체부 쓰기 정체" panose="02030609000101010101" pitchFamily="17" charset="-127"/>
               </a:rPr>
-              <a:t>스토리</a:t>
-            </a:r>
-            <a:r>
-              <a:rPr lang="en-US" altLang="ko-KR" sz="2400" dirty="0" smtClean="0">
-                <a:ea typeface="문체부 쓰기 정체" panose="02030609000101010101" pitchFamily="17" charset="-127"/>
-              </a:rPr>
-              <a:t>,</a:t>
-            </a:r>
-            <a:r>
-              <a:rPr lang="ko-KR" altLang="en-US" sz="2400" dirty="0" smtClean="0">
-                <a:ea typeface="문체부 쓰기 정체" panose="02030609000101010101" pitchFamily="17" charset="-127"/>
-              </a:rPr>
-              <a:t>이벤트 </a:t>
-            </a:r>
-            <a:r>
-              <a:rPr lang="ko-KR" altLang="en-US" sz="2400" dirty="0" smtClean="0">
-                <a:ea typeface="문체부 쓰기 정체" panose="02030609000101010101" pitchFamily="17" charset="-127"/>
-              </a:rPr>
-              <a:t>응모</a:t>
+              <a:t>이벤트 응모</a:t>
             </a:r>
             <a:endParaRPr lang="en-US" altLang="ko-KR" sz="2400" dirty="0" smtClean="0">
               <a:ea typeface="문체부 쓰기 정체" panose="02030609000101010101" pitchFamily="17" charset="-127"/>
@@ -10988,13 +10907,13 @@
   <p:clrMapOvr>
     <a:masterClrMapping/>
   </p:clrMapOvr>
-  <mc:AlternateContent xmlns:mc="http://schemas.openxmlformats.org/markup-compatibility/2006">
-    <mc:Choice xmlns:p14="http://schemas.microsoft.com/office/powerpoint/2010/main" Requires="p14">
-      <p:transition xmlns:mc="http://schemas.openxmlformats.org/markup-compatibility/2006" xmlns:p14="http://schemas.microsoft.com/office/powerpoint/2010/main" mc:Ignorable="p14" p14:dur="700">
+  <mc:AlternateContent xmlns:mc="http://schemas.openxmlformats.org/markup-compatibility/2006" xmlns:p14="http://schemas.microsoft.com/office/powerpoint/2010/main">
+    <mc:Choice Requires="p14">
+      <p:transition spd="med" p14:dur="700">
         <p:fade/>
       </p:transition>
     </mc:Choice>
-    <mc:Fallback>
+    <mc:Fallback xmlns:dsp="http://schemas.microsoft.com/office/drawing/2008/diagram" xmlns:dgm="http://schemas.openxmlformats.org/drawingml/2006/diagram" xmlns:c="http://schemas.openxmlformats.org/drawingml/2006/chart" xmlns="">
       <p:transition xmlns:mc="http://schemas.openxmlformats.org/markup-compatibility/2006" xmlns:hp="http://schemas.haansoft.com/office/presentation/8.0" mc:Ignorable="hp" hp:hslDur="700">
         <p:fade/>
       </p:transition>
@@ -12450,23 +12369,7 @@
                 <a:ea typeface="문체부 쓰기 정체" panose="02030609000101010101" pitchFamily="17" charset="-127"/>
                 <a:cs typeface="Arial" panose="020B0604020202020204" pitchFamily="34" charset="0"/>
               </a:rPr>
-              <a:t>고객 기능과 </a:t>
-            </a:r>
-            <a:r>
-              <a:rPr lang="ko-KR" altLang="en-US" sz="2400" i="1" spc="-300" dirty="0" smtClean="0">
-                <a:latin typeface="Arial" panose="020B0604020202020204" pitchFamily="34" charset="0"/>
-                <a:ea typeface="문체부 쓰기 정체" panose="02030609000101010101" pitchFamily="17" charset="-127"/>
-                <a:cs typeface="Arial" panose="020B0604020202020204" pitchFamily="34" charset="0"/>
-              </a:rPr>
-              <a:t>특징 </a:t>
-            </a:r>
-            <a:r>
-              <a:rPr lang="ko-KR" altLang="en-US" sz="2400" i="1" spc="-300" dirty="0" smtClean="0">
-                <a:latin typeface="Arial" panose="020B0604020202020204" pitchFamily="34" charset="0"/>
-                <a:ea typeface="문체부 쓰기 정체" panose="02030609000101010101" pitchFamily="17" charset="-127"/>
-                <a:cs typeface="Arial" panose="020B0604020202020204" pitchFamily="34" charset="0"/>
-              </a:rPr>
-              <a:t> </a:t>
+              <a:t>고객 기능과 특징  </a:t>
             </a:r>
             <a:r>
               <a:rPr lang="en-US" altLang="ko-KR" sz="2400" i="1" spc="-300" dirty="0" smtClean="0">
@@ -13201,18 +13104,7 @@
                 </a:solidFill>
                 <a:latin typeface="+mj-lt"/>
               </a:rPr>
-              <a:t>-Part </a:t>
-            </a:r>
-            <a:r>
-              <a:rPr lang="en-US" altLang="ko-KR" sz="4800" dirty="0" smtClean="0">
-                <a:solidFill>
-                  <a:schemeClr val="accent2">
-                    <a:lumMod val="75000"/>
-                  </a:schemeClr>
-                </a:solidFill>
-                <a:latin typeface="+mj-lt"/>
-              </a:rPr>
-              <a:t>4-</a:t>
+              <a:t>-Part 4-</a:t>
             </a:r>
             <a:endParaRPr lang="ko-KR" altLang="en-US" sz="4800" dirty="0">
               <a:solidFill>
@@ -14295,11 +14187,6 @@
               </a:rPr>
               <a:t>자세히 보기</a:t>
             </a:r>
-            <a:endParaRPr lang="ko-KR" altLang="en-US" sz="2800" spc="-300" dirty="0">
-              <a:latin typeface="Arial" panose="020B0604020202020204" pitchFamily="34" charset="0"/>
-              <a:ea typeface="문체부 쓰기 정체" panose="02030609000101010101" pitchFamily="17" charset="-127"/>
-              <a:cs typeface="Arial" panose="020B0604020202020204" pitchFamily="34" charset="0"/>
-            </a:endParaRPr>
           </a:p>
         </p:txBody>
       </p:sp>
@@ -14611,11 +14498,6 @@
               </a:rPr>
               <a:t>자세히 보기</a:t>
             </a:r>
-            <a:endParaRPr lang="ko-KR" altLang="en-US" sz="2800" spc="-300" dirty="0">
-              <a:latin typeface="Arial" panose="020B0604020202020204" pitchFamily="34" charset="0"/>
-              <a:ea typeface="문체부 쓰기 정체" panose="02030609000101010101" pitchFamily="17" charset="-127"/>
-              <a:cs typeface="Arial" panose="020B0604020202020204" pitchFamily="34" charset="0"/>
-            </a:endParaRPr>
           </a:p>
         </p:txBody>
       </p:sp>
@@ -16494,11 +16376,6 @@
               </a:rPr>
               <a:t>자세히 보기</a:t>
             </a:r>
-            <a:endParaRPr lang="ko-KR" altLang="en-US" sz="2800" spc="-300" dirty="0">
-              <a:latin typeface="Arial" panose="020B0604020202020204" pitchFamily="34" charset="0"/>
-              <a:ea typeface="문체부 쓰기 정체" panose="02030609000101010101" pitchFamily="17" charset="-127"/>
-              <a:cs typeface="Arial" panose="020B0604020202020204" pitchFamily="34" charset="0"/>
-            </a:endParaRPr>
           </a:p>
         </p:txBody>
       </p:sp>
@@ -16776,9 +16653,108 @@
           </a:p>
         </p:txBody>
       </p:sp>
+      <p:sp>
+        <p:nvSpPr>
+          <p:cNvPr id="7" name="TextBox 6">
+            <a:extLst>
+              <a:ext uri="{FF2B5EF4-FFF2-40B4-BE49-F238E27FC236}">
+                <a16:creationId xmlns:a16="http://schemas.microsoft.com/office/drawing/2014/main" id="{988839C2-BAAB-4531-A42C-39A13C09E321}"/>
+              </a:ext>
+            </a:extLst>
+          </p:cNvPr>
+          <p:cNvSpPr txBox="1"/>
+          <p:nvPr/>
+        </p:nvSpPr>
+        <p:spPr>
+          <a:xfrm>
+            <a:off x="1722746" y="124907"/>
+            <a:ext cx="1848583" cy="523220"/>
+          </a:xfrm>
+          <a:prstGeom prst="rect">
+            <a:avLst/>
+          </a:prstGeom>
+          <a:noFill/>
+        </p:spPr>
+        <p:txBody>
+          <a:bodyPr wrap="none" rtlCol="0">
+            <a:spAutoFit/>
+          </a:bodyPr>
+          <a:lstStyle/>
+          <a:p>
+            <a:r>
+              <a:rPr lang="ko-KR" altLang="en-US" sz="2800" spc="-300" dirty="0">
+                <a:latin typeface="Arial" panose="020B0604020202020204" pitchFamily="34" charset="0"/>
+                <a:ea typeface="문체부 쓰기 정체" panose="02030609000101010101" pitchFamily="17" charset="-127"/>
+                <a:cs typeface="Arial" panose="020B0604020202020204" pitchFamily="34" charset="0"/>
+              </a:rPr>
+              <a:t>자세히 보기</a:t>
+            </a:r>
+          </a:p>
+        </p:txBody>
+      </p:sp>
+      <p:sp>
+        <p:nvSpPr>
+          <p:cNvPr id="8" name="TextBox 7">
+            <a:extLst>
+              <a:ext uri="{FF2B5EF4-FFF2-40B4-BE49-F238E27FC236}">
+                <a16:creationId xmlns:a16="http://schemas.microsoft.com/office/drawing/2014/main" id="{988839C2-BAAB-4531-A42C-39A13C09E321}"/>
+              </a:ext>
+            </a:extLst>
+          </p:cNvPr>
+          <p:cNvSpPr txBox="1"/>
+          <p:nvPr/>
+        </p:nvSpPr>
+        <p:spPr>
+          <a:xfrm>
+            <a:off x="10290742" y="125069"/>
+            <a:ext cx="1604600" cy="461665"/>
+          </a:xfrm>
+          <a:prstGeom prst="rect">
+            <a:avLst/>
+          </a:prstGeom>
+          <a:noFill/>
+        </p:spPr>
+        <p:txBody>
+          <a:bodyPr wrap="square" rtlCol="0">
+            <a:spAutoFit/>
+          </a:bodyPr>
+          <a:lstStyle/>
+          <a:p>
+            <a:r>
+              <a:rPr lang="en-US" altLang="ko-KR" sz="2400" i="1" spc="-300" dirty="0" smtClean="0">
+                <a:latin typeface="Arial" panose="020B0604020202020204" pitchFamily="34" charset="0"/>
+                <a:ea typeface="문체부 쓰기 정체" panose="02030609000101010101" pitchFamily="17" charset="-127"/>
+                <a:cs typeface="Arial" panose="020B0604020202020204" pitchFamily="34" charset="0"/>
+              </a:rPr>
+              <a:t>( </a:t>
+            </a:r>
+            <a:r>
+              <a:rPr lang="ko-KR" altLang="en-US" sz="2400" i="1" spc="-300" dirty="0" smtClean="0">
+                <a:latin typeface="Arial" panose="020B0604020202020204" pitchFamily="34" charset="0"/>
+                <a:ea typeface="문체부 쓰기 정체" panose="02030609000101010101" pitchFamily="17" charset="-127"/>
+                <a:cs typeface="Arial" panose="020B0604020202020204" pitchFamily="34" charset="0"/>
+              </a:rPr>
+              <a:t>고객 기능  </a:t>
+            </a:r>
+            <a:r>
+              <a:rPr lang="en-US" altLang="ko-KR" sz="2400" i="1" spc="-300" dirty="0" smtClean="0">
+                <a:latin typeface="Arial" panose="020B0604020202020204" pitchFamily="34" charset="0"/>
+                <a:ea typeface="문체부 쓰기 정체" panose="02030609000101010101" pitchFamily="17" charset="-127"/>
+                <a:cs typeface="Arial" panose="020B0604020202020204" pitchFamily="34" charset="0"/>
+              </a:rPr>
+              <a:t>)</a:t>
+            </a:r>
+            <a:endParaRPr lang="ko-KR" altLang="en-US" sz="2400" i="1" spc="-300" dirty="0">
+              <a:latin typeface="Arial" panose="020B0604020202020204" pitchFamily="34" charset="0"/>
+              <a:ea typeface="문체부 쓰기 정체" panose="02030609000101010101" pitchFamily="17" charset="-127"/>
+              <a:cs typeface="Arial" panose="020B0604020202020204" pitchFamily="34" charset="0"/>
+            </a:endParaRPr>
+          </a:p>
+        </p:txBody>
+      </p:sp>
       <p:pic>
         <p:nvPicPr>
-          <p:cNvPr id="4" name="그림 3"/>
+          <p:cNvPr id="2" name="그림 1"/>
           <p:cNvPicPr>
             <a:picLocks noChangeAspect="1"/>
           </p:cNvPicPr>
@@ -16798,118 +16774,14 @@
         </p:blipFill>
         <p:spPr>
           <a:xfrm>
-            <a:off x="430110" y="848527"/>
-            <a:ext cx="11256173" cy="5515203"/>
+            <a:off x="651664" y="717905"/>
+            <a:ext cx="10753397" cy="5972042"/>
           </a:xfrm>
           <a:prstGeom prst="rect">
             <a:avLst/>
           </a:prstGeom>
         </p:spPr>
       </p:pic>
-      <p:sp>
-        <p:nvSpPr>
-          <p:cNvPr id="7" name="TextBox 6">
-            <a:extLst>
-              <a:ext uri="{FF2B5EF4-FFF2-40B4-BE49-F238E27FC236}">
-                <a16:creationId xmlns:a16="http://schemas.microsoft.com/office/drawing/2014/main" id="{988839C2-BAAB-4531-A42C-39A13C09E321}"/>
-              </a:ext>
-            </a:extLst>
-          </p:cNvPr>
-          <p:cNvSpPr txBox="1"/>
-          <p:nvPr/>
-        </p:nvSpPr>
-        <p:spPr>
-          <a:xfrm>
-            <a:off x="1722746" y="124907"/>
-            <a:ext cx="1848583" cy="523220"/>
-          </a:xfrm>
-          <a:prstGeom prst="rect">
-            <a:avLst/>
-          </a:prstGeom>
-          <a:noFill/>
-        </p:spPr>
-        <p:txBody>
-          <a:bodyPr wrap="none" rtlCol="0">
-            <a:spAutoFit/>
-          </a:bodyPr>
-          <a:lstStyle/>
-          <a:p>
-            <a:r>
-              <a:rPr lang="ko-KR" altLang="en-US" sz="2800" spc="-300" dirty="0">
-                <a:latin typeface="Arial" panose="020B0604020202020204" pitchFamily="34" charset="0"/>
-                <a:ea typeface="문체부 쓰기 정체" panose="02030609000101010101" pitchFamily="17" charset="-127"/>
-                <a:cs typeface="Arial" panose="020B0604020202020204" pitchFamily="34" charset="0"/>
-              </a:rPr>
-              <a:t>자세히 보기</a:t>
-            </a:r>
-            <a:endParaRPr lang="ko-KR" altLang="en-US" sz="2800" spc="-300" dirty="0">
-              <a:latin typeface="Arial" panose="020B0604020202020204" pitchFamily="34" charset="0"/>
-              <a:ea typeface="문체부 쓰기 정체" panose="02030609000101010101" pitchFamily="17" charset="-127"/>
-              <a:cs typeface="Arial" panose="020B0604020202020204" pitchFamily="34" charset="0"/>
-            </a:endParaRPr>
-          </a:p>
-        </p:txBody>
-      </p:sp>
-      <p:sp>
-        <p:nvSpPr>
-          <p:cNvPr id="8" name="TextBox 7">
-            <a:extLst>
-              <a:ext uri="{FF2B5EF4-FFF2-40B4-BE49-F238E27FC236}">
-                <a16:creationId xmlns:a16="http://schemas.microsoft.com/office/drawing/2014/main" id="{988839C2-BAAB-4531-A42C-39A13C09E321}"/>
-              </a:ext>
-            </a:extLst>
-          </p:cNvPr>
-          <p:cNvSpPr txBox="1"/>
-          <p:nvPr/>
-        </p:nvSpPr>
-        <p:spPr>
-          <a:xfrm>
-            <a:off x="10290742" y="125069"/>
-            <a:ext cx="1604600" cy="461665"/>
-          </a:xfrm>
-          <a:prstGeom prst="rect">
-            <a:avLst/>
-          </a:prstGeom>
-          <a:noFill/>
-        </p:spPr>
-        <p:txBody>
-          <a:bodyPr wrap="square" rtlCol="0">
-            <a:spAutoFit/>
-          </a:bodyPr>
-          <a:lstStyle/>
-          <a:p>
-            <a:r>
-              <a:rPr lang="en-US" altLang="ko-KR" sz="2400" i="1" spc="-300" dirty="0" smtClean="0">
-                <a:latin typeface="Arial" panose="020B0604020202020204" pitchFamily="34" charset="0"/>
-                <a:ea typeface="문체부 쓰기 정체" panose="02030609000101010101" pitchFamily="17" charset="-127"/>
-                <a:cs typeface="Arial" panose="020B0604020202020204" pitchFamily="34" charset="0"/>
-              </a:rPr>
-              <a:t>( </a:t>
-            </a:r>
-            <a:r>
-              <a:rPr lang="ko-KR" altLang="en-US" sz="2400" i="1" spc="-300" dirty="0" smtClean="0">
-                <a:latin typeface="Arial" panose="020B0604020202020204" pitchFamily="34" charset="0"/>
-                <a:ea typeface="문체부 쓰기 정체" panose="02030609000101010101" pitchFamily="17" charset="-127"/>
-                <a:cs typeface="Arial" panose="020B0604020202020204" pitchFamily="34" charset="0"/>
-              </a:rPr>
-              <a:t>고객 기능  </a:t>
-            </a:r>
-            <a:r>
-              <a:rPr lang="en-US" altLang="ko-KR" sz="2400" i="1" spc="-300" dirty="0" smtClean="0">
-                <a:latin typeface="Arial" panose="020B0604020202020204" pitchFamily="34" charset="0"/>
-                <a:ea typeface="문체부 쓰기 정체" panose="02030609000101010101" pitchFamily="17" charset="-127"/>
-                <a:cs typeface="Arial" panose="020B0604020202020204" pitchFamily="34" charset="0"/>
-              </a:rPr>
-              <a:t>)</a:t>
-            </a:r>
-            <a:endParaRPr lang="ko-KR" altLang="en-US" sz="2400" i="1" spc="-300" dirty="0">
-              <a:latin typeface="Arial" panose="020B0604020202020204" pitchFamily="34" charset="0"/>
-              <a:ea typeface="문체부 쓰기 정체" panose="02030609000101010101" pitchFamily="17" charset="-127"/>
-              <a:cs typeface="Arial" panose="020B0604020202020204" pitchFamily="34" charset="0"/>
-            </a:endParaRPr>
-          </a:p>
-        </p:txBody>
-      </p:sp>
     </p:spTree>
     <p:extLst>
       <p:ext uri="{BB962C8B-B14F-4D97-AF65-F5344CB8AC3E}">
@@ -17174,11 +17046,6 @@
               </a:rPr>
               <a:t>자세히 보기</a:t>
             </a:r>
-            <a:endParaRPr lang="ko-KR" altLang="en-US" sz="2800" spc="-300" dirty="0">
-              <a:latin typeface="Arial" panose="020B0604020202020204" pitchFamily="34" charset="0"/>
-              <a:ea typeface="문체부 쓰기 정체" panose="02030609000101010101" pitchFamily="17" charset="-127"/>
-              <a:cs typeface="Arial" panose="020B0604020202020204" pitchFamily="34" charset="0"/>
-            </a:endParaRPr>
           </a:p>
         </p:txBody>
       </p:sp>
@@ -18378,11 +18245,6 @@
               </a:rPr>
               <a:t>자세히 보기</a:t>
             </a:r>
-            <a:endParaRPr lang="ko-KR" altLang="en-US" sz="2800" spc="-300" dirty="0">
-              <a:latin typeface="Arial" panose="020B0604020202020204" pitchFamily="34" charset="0"/>
-              <a:ea typeface="문체부 쓰기 정체" panose="02030609000101010101" pitchFamily="17" charset="-127"/>
-              <a:cs typeface="Arial" panose="020B0604020202020204" pitchFamily="34" charset="0"/>
-            </a:endParaRPr>
           </a:p>
         </p:txBody>
       </p:sp>
@@ -19458,11 +19320,6 @@
                 </a:rPr>
                 <a:t>자세히 보기</a:t>
               </a:r>
-              <a:endParaRPr lang="ko-KR" altLang="en-US" sz="2800" spc="-300" dirty="0">
-                <a:latin typeface="Arial" panose="020B0604020202020204" pitchFamily="34" charset="0"/>
-                <a:ea typeface="문체부 쓰기 정체" panose="02030609000101010101" pitchFamily="17" charset="-127"/>
-                <a:cs typeface="Arial" panose="020B0604020202020204" pitchFamily="34" charset="0"/>
-              </a:endParaRPr>
             </a:p>
           </p:txBody>
         </p:sp>
@@ -19833,11 +19690,6 @@
                 </a:rPr>
                 <a:t>자세히 보기</a:t>
               </a:r>
-              <a:endParaRPr lang="ko-KR" altLang="en-US" sz="2000" spc="-300" dirty="0">
-                <a:latin typeface="Arial" panose="020B0604020202020204" pitchFamily="34" charset="0"/>
-                <a:ea typeface="문체부 쓰기 정체" panose="02030609000101010101" pitchFamily="17" charset="-127"/>
-                <a:cs typeface="Arial" panose="020B0604020202020204" pitchFamily="34" charset="0"/>
-              </a:endParaRPr>
             </a:p>
           </p:txBody>
         </p:sp>
@@ -20619,13 +20471,7 @@
                 <a:rPr lang="en-US" altLang="ko-KR" sz="2800" b="1" i="1" dirty="0" smtClean="0">
                   <a:latin typeface="+mj-lt"/>
                 </a:rPr>
-                <a:t>-Part </a:t>
-              </a:r>
-              <a:r>
-                <a:rPr lang="en-US" altLang="ko-KR" sz="2800" b="1" i="1" dirty="0" smtClean="0">
-                  <a:latin typeface="+mj-lt"/>
-                </a:rPr>
-                <a:t>4-</a:t>
+                <a:t>-Part 4-</a:t>
               </a:r>
               <a:endParaRPr lang="ko-KR" altLang="en-US" sz="2800" b="1" i="1" dirty="0">
                 <a:latin typeface="+mj-lt"/>
@@ -20960,13 +20806,7 @@
                 <a:rPr lang="en-US" altLang="ko-KR" sz="2800" b="1" i="1" dirty="0" smtClean="0">
                   <a:latin typeface="+mj-lt"/>
                 </a:rPr>
-                <a:t>-Part </a:t>
-              </a:r>
-              <a:r>
-                <a:rPr lang="en-US" altLang="ko-KR" sz="2800" b="1" i="1" dirty="0" smtClean="0">
-                  <a:latin typeface="+mj-lt"/>
-                </a:rPr>
-                <a:t>4-</a:t>
+                <a:t>-Part 4-</a:t>
               </a:r>
               <a:endParaRPr lang="ko-KR" altLang="en-US" sz="2800" b="1" i="1" dirty="0">
                 <a:latin typeface="+mj-lt"/>
@@ -21743,18 +21583,7 @@
                   </a:solidFill>
                   <a:latin typeface="+mj-lt"/>
                 </a:rPr>
-                <a:t>-Part </a:t>
-              </a:r>
-              <a:r>
-                <a:rPr lang="en-US" altLang="ko-KR" sz="4800" dirty="0" smtClean="0">
-                  <a:solidFill>
-                    <a:schemeClr val="accent2">
-                      <a:lumMod val="75000"/>
-                    </a:schemeClr>
-                  </a:solidFill>
-                  <a:latin typeface="+mj-lt"/>
-                </a:rPr>
-                <a:t>1-</a:t>
+                <a:t>-Part 1-</a:t>
               </a:r>
               <a:endParaRPr lang="ko-KR" altLang="en-US" sz="4800" dirty="0">
                 <a:solidFill>
@@ -22132,18 +21961,7 @@
                 </a:solidFill>
                 <a:latin typeface="+mj-lt"/>
               </a:rPr>
-              <a:t>-Part </a:t>
-            </a:r>
-            <a:r>
-              <a:rPr lang="en-US" altLang="ko-KR" sz="4800" dirty="0" smtClean="0">
-                <a:solidFill>
-                  <a:schemeClr val="accent2">
-                    <a:lumMod val="75000"/>
-                  </a:schemeClr>
-                </a:solidFill>
-                <a:latin typeface="+mj-lt"/>
-              </a:rPr>
-              <a:t>4-</a:t>
+              <a:t>-Part 4-</a:t>
             </a:r>
             <a:endParaRPr lang="ko-KR" altLang="en-US" sz="4800" dirty="0">
               <a:solidFill>
@@ -22238,13 +22056,7 @@
               <a:rPr lang="en-US" altLang="ko-KR" sz="2800" b="1" i="1" dirty="0" smtClean="0">
                 <a:latin typeface="+mj-lt"/>
               </a:rPr>
-              <a:t>-Part </a:t>
-            </a:r>
-            <a:r>
-              <a:rPr lang="en-US" altLang="ko-KR" sz="2800" b="1" i="1" dirty="0" smtClean="0">
-                <a:latin typeface="+mj-lt"/>
-              </a:rPr>
-              <a:t>4-</a:t>
+              <a:t>-Part 4-</a:t>
             </a:r>
             <a:endParaRPr lang="ko-KR" altLang="en-US" sz="2800" b="1" i="1" dirty="0">
               <a:latin typeface="+mj-lt"/>
@@ -22468,13 +22280,7 @@
               <a:rPr lang="en-US" altLang="ko-KR" sz="2800" b="1" i="1" dirty="0" smtClean="0">
                 <a:latin typeface="+mj-lt"/>
               </a:rPr>
-              <a:t>-Part </a:t>
-            </a:r>
-            <a:r>
-              <a:rPr lang="en-US" altLang="ko-KR" sz="2800" b="1" i="1" dirty="0" smtClean="0">
-                <a:latin typeface="+mj-lt"/>
-              </a:rPr>
-              <a:t>4-</a:t>
+              <a:t>-Part 4-</a:t>
             </a:r>
             <a:endParaRPr lang="ko-KR" altLang="en-US" sz="2800" b="1" i="1" dirty="0">
               <a:latin typeface="+mj-lt"/>
@@ -22842,13 +22648,7 @@
               <a:rPr lang="en-US" altLang="ko-KR" sz="2800" b="1" i="1" dirty="0" smtClean="0">
                 <a:latin typeface="+mj-lt"/>
               </a:rPr>
-              <a:t>-Part </a:t>
-            </a:r>
-            <a:r>
-              <a:rPr lang="en-US" altLang="ko-KR" sz="2800" b="1" i="1" dirty="0" smtClean="0">
-                <a:latin typeface="+mj-lt"/>
-              </a:rPr>
-              <a:t>4-</a:t>
+              <a:t>-Part 4-</a:t>
             </a:r>
             <a:endParaRPr lang="ko-KR" altLang="en-US" sz="2800" b="1" i="1" dirty="0">
               <a:latin typeface="+mj-lt"/>
@@ -23124,13 +22924,7 @@
               <a:rPr lang="en-US" altLang="ko-KR" sz="2800" b="1" i="1" dirty="0" smtClean="0">
                 <a:latin typeface="+mj-lt"/>
               </a:rPr>
-              <a:t>-Part </a:t>
-            </a:r>
-            <a:r>
-              <a:rPr lang="en-US" altLang="ko-KR" sz="2800" b="1" i="1" dirty="0" smtClean="0">
-                <a:latin typeface="+mj-lt"/>
-              </a:rPr>
-              <a:t>4-</a:t>
+              <a:t>-Part 4-</a:t>
             </a:r>
             <a:endParaRPr lang="ko-KR" altLang="en-US" sz="2800" b="1" i="1" dirty="0">
               <a:latin typeface="+mj-lt"/>
@@ -23452,13 +23246,7 @@
               <a:rPr lang="en-US" altLang="ko-KR" sz="2800" b="1" i="1" dirty="0" smtClean="0">
                 <a:latin typeface="+mj-lt"/>
               </a:rPr>
-              <a:t>-Part </a:t>
-            </a:r>
-            <a:r>
-              <a:rPr lang="en-US" altLang="ko-KR" sz="2800" b="1" i="1" dirty="0" smtClean="0">
-                <a:latin typeface="+mj-lt"/>
-              </a:rPr>
-              <a:t>4-</a:t>
+              <a:t>-Part 4-</a:t>
             </a:r>
             <a:endParaRPr lang="ko-KR" altLang="en-US" sz="2800" b="1" i="1" dirty="0">
               <a:latin typeface="+mj-lt"/>
@@ -23765,13 +23553,7 @@
               <a:rPr lang="en-US" altLang="ko-KR" sz="2800" b="1" i="1" dirty="0" smtClean="0">
                 <a:latin typeface="+mj-lt"/>
               </a:rPr>
-              <a:t>-Part </a:t>
-            </a:r>
-            <a:r>
-              <a:rPr lang="en-US" altLang="ko-KR" sz="2800" b="1" i="1" dirty="0" smtClean="0">
-                <a:latin typeface="+mj-lt"/>
-              </a:rPr>
-              <a:t>4-</a:t>
+              <a:t>-Part 4-</a:t>
             </a:r>
             <a:endParaRPr lang="ko-KR" altLang="en-US" sz="2800" b="1" i="1" dirty="0">
               <a:latin typeface="+mj-lt"/>
@@ -24216,18 +23998,7 @@
                 </a:solidFill>
                 <a:latin typeface="+mj-lt"/>
               </a:rPr>
-              <a:t>-Part </a:t>
-            </a:r>
-            <a:r>
-              <a:rPr lang="en-US" altLang="ko-KR" sz="4800" dirty="0" smtClean="0">
-                <a:solidFill>
-                  <a:schemeClr val="accent2">
-                    <a:lumMod val="75000"/>
-                  </a:schemeClr>
-                </a:solidFill>
-                <a:latin typeface="+mj-lt"/>
-              </a:rPr>
-              <a:t>4-</a:t>
+              <a:t>-Part 4-</a:t>
             </a:r>
             <a:endParaRPr lang="ko-KR" altLang="en-US" sz="4800" dirty="0">
               <a:solidFill>
@@ -24322,13 +24093,7 @@
               <a:rPr lang="en-US" altLang="ko-KR" sz="2800" b="1" i="1" dirty="0" smtClean="0">
                 <a:latin typeface="+mj-lt"/>
               </a:rPr>
-              <a:t>-Part </a:t>
-            </a:r>
-            <a:r>
-              <a:rPr lang="en-US" altLang="ko-KR" sz="2800" b="1" i="1" dirty="0" smtClean="0">
-                <a:latin typeface="+mj-lt"/>
-              </a:rPr>
-              <a:t>4-</a:t>
+              <a:t>-Part 4-</a:t>
             </a:r>
             <a:endParaRPr lang="ko-KR" altLang="en-US" sz="2800" b="1" i="1" dirty="0">
               <a:latin typeface="+mj-lt"/>
@@ -24636,13 +24401,7 @@
               <a:rPr lang="en-US" altLang="ko-KR" sz="2800" b="1" i="1" dirty="0" smtClean="0">
                 <a:latin typeface="+mj-lt"/>
               </a:rPr>
-              <a:t>-Part </a:t>
-            </a:r>
-            <a:r>
-              <a:rPr lang="en-US" altLang="ko-KR" sz="2800" b="1" i="1" dirty="0" smtClean="0">
-                <a:latin typeface="+mj-lt"/>
-              </a:rPr>
-              <a:t>4-</a:t>
+              <a:t>-Part 4-</a:t>
             </a:r>
             <a:endParaRPr lang="ko-KR" altLang="en-US" sz="2800" b="1" i="1" dirty="0">
               <a:latin typeface="+mj-lt"/>
@@ -24894,13 +24653,14 @@
 </file>
 
 <file path=ppt/slides/slide4.xml><?xml version="1.0" encoding="utf-8"?>
-<p:sld xmlns:r="http://schemas.openxmlformats.org/officeDocument/2006/relationships" xmlns:c="http://schemas.openxmlformats.org/drawingml/2006/chart" xmlns:a="http://schemas.openxmlformats.org/drawingml/2006/main" xmlns:dgm="http://schemas.openxmlformats.org/drawingml/2006/diagram" xmlns:dsp="http://schemas.microsoft.com/office/drawing/2008/diagram" xmlns:p="http://schemas.openxmlformats.org/presentationml/2006/main">
+<p:sld xmlns:a="http://schemas.openxmlformats.org/drawingml/2006/main" xmlns:r="http://schemas.openxmlformats.org/officeDocument/2006/relationships" xmlns:p="http://schemas.openxmlformats.org/presentationml/2006/main">
   <p:cSld>
     <p:bg>
-      <p:bgPr shadeToTitle="0">
+      <p:bgPr>
         <a:solidFill>
-          <a:srgbClr val="e6e4e5"/>
+          <a:srgbClr val="E6E4E5"/>
         </a:solidFill>
+        <a:effectLst/>
       </p:bgPr>
     </p:bg>
     <p:spTree>
@@ -25797,10 +25557,6 @@
               </a:rPr>
               <a:t> 설계</a:t>
             </a:r>
-            <a:endParaRPr kumimoji="1" lang="ko-KR" altLang="en-US" spc="-150">
-              <a:latin typeface="HY견고딕"/>
-              <a:ea typeface="HY견고딕"/>
-            </a:endParaRPr>
           </a:p>
         </p:txBody>
       </p:sp>
@@ -25890,12 +25646,6 @@
               </a:rPr>
               <a:t>DA</a:t>
             </a:r>
-            <a:endParaRPr lang="en-US" altLang="ko-KR" sz="4400" b="1">
-              <a:solidFill>
-                <a:schemeClr val="bg1"/>
-              </a:solidFill>
-              <a:latin typeface="+mj-lt"/>
-            </a:endParaRPr>
           </a:p>
         </p:txBody>
       </p:sp>
@@ -26415,10 +26165,6 @@
               </a:rPr>
               <a:t> 네트워크 구축</a:t>
             </a:r>
-            <a:endParaRPr kumimoji="1" lang="ko-KR" altLang="en-US" spc="-150">
-              <a:latin typeface="HY견고딕"/>
-              <a:ea typeface="HY견고딕"/>
-            </a:endParaRPr>
           </a:p>
         </p:txBody>
       </p:sp>
@@ -26508,12 +26254,6 @@
               </a:rPr>
               <a:t>TA</a:t>
             </a:r>
-            <a:endParaRPr lang="en-US" altLang="ko-KR" sz="4400" b="1">
-              <a:solidFill>
-                <a:schemeClr val="bg1"/>
-              </a:solidFill>
-              <a:latin typeface="+mj-lt"/>
-            </a:endParaRPr>
           </a:p>
         </p:txBody>
       </p:sp>
@@ -26567,13 +26307,13 @@
   <p:clrMapOvr>
     <a:masterClrMapping/>
   </p:clrMapOvr>
-  <mc:AlternateContent xmlns:mc="http://schemas.openxmlformats.org/markup-compatibility/2006">
-    <mc:Choice xmlns:p14="http://schemas.microsoft.com/office/powerpoint/2010/main" Requires="p14">
-      <p:transition xmlns:mc="http://schemas.openxmlformats.org/markup-compatibility/2006" xmlns:p14="http://schemas.microsoft.com/office/powerpoint/2010/main" mc:Ignorable="p14" p14:dur="700">
+  <mc:AlternateContent xmlns:mc="http://schemas.openxmlformats.org/markup-compatibility/2006" xmlns:p14="http://schemas.microsoft.com/office/powerpoint/2010/main">
+    <mc:Choice Requires="p14">
+      <p:transition spd="med" p14:dur="700">
         <p:fade/>
       </p:transition>
     </mc:Choice>
-    <mc:Fallback>
+    <mc:Fallback xmlns:dsp="http://schemas.microsoft.com/office/drawing/2008/diagram" xmlns:dgm="http://schemas.openxmlformats.org/drawingml/2006/diagram" xmlns:c="http://schemas.openxmlformats.org/drawingml/2006/chart" xmlns="">
       <p:transition xmlns:mc="http://schemas.openxmlformats.org/markup-compatibility/2006" xmlns:hp="http://schemas.haansoft.com/office/presentation/8.0" mc:Ignorable="hp" hp:hslDur="700">
         <p:fade/>
       </p:transition>
@@ -26639,13 +26379,7 @@
               <a:rPr lang="en-US" altLang="ko-KR" sz="2800" b="1" i="1" dirty="0" smtClean="0">
                 <a:latin typeface="+mj-lt"/>
               </a:rPr>
-              <a:t>-Part </a:t>
-            </a:r>
-            <a:r>
-              <a:rPr lang="en-US" altLang="ko-KR" sz="2800" b="1" i="1" dirty="0" smtClean="0">
-                <a:latin typeface="+mj-lt"/>
-              </a:rPr>
-              <a:t>4-</a:t>
+              <a:t>-Part 4-</a:t>
             </a:r>
             <a:endParaRPr lang="ko-KR" altLang="en-US" sz="2800" b="1" i="1" dirty="0">
               <a:latin typeface="+mj-lt"/>
@@ -27411,14 +27145,7 @@
                 <a:latin typeface="HY중고딕" panose="02030600000101010101" pitchFamily="18" charset="-127"/>
                 <a:ea typeface="문체부 쓰기 정체" panose="02030609000101010101" pitchFamily="17" charset="-127"/>
               </a:rPr>
-              <a:t>프</a:t>
-            </a:r>
-            <a:r>
-              <a:rPr lang="ko-KR" altLang="en-US" sz="2800" dirty="0" smtClean="0">
-                <a:latin typeface="HY중고딕" panose="02030600000101010101" pitchFamily="18" charset="-127"/>
-                <a:ea typeface="문체부 쓰기 정체" panose="02030609000101010101" pitchFamily="17" charset="-127"/>
-              </a:rPr>
-              <a:t>로젝트의 </a:t>
+              <a:t>프로젝트의 </a:t>
             </a:r>
             <a:r>
               <a:rPr lang="ko-KR" altLang="en-US" sz="2800" dirty="0">
@@ -27612,18 +27339,7 @@
                   </a:solidFill>
                   <a:latin typeface="+mj-lt"/>
                 </a:rPr>
-                <a:t>-Part </a:t>
-              </a:r>
-              <a:r>
-                <a:rPr lang="en-US" altLang="ko-KR" sz="4800" dirty="0" smtClean="0">
-                  <a:solidFill>
-                    <a:schemeClr val="accent2">
-                      <a:lumMod val="75000"/>
-                    </a:schemeClr>
-                  </a:solidFill>
-                  <a:latin typeface="+mj-lt"/>
-                </a:rPr>
-                <a:t>2-</a:t>
+                <a:t>-Part 2-</a:t>
               </a:r>
               <a:endParaRPr lang="ko-KR" altLang="en-US" sz="4800" dirty="0">
                 <a:solidFill>
@@ -27752,13 +27468,14 @@
 </file>
 
 <file path=ppt/slides/slide7.xml><?xml version="1.0" encoding="utf-8"?>
-<p:sld xmlns:r="http://schemas.openxmlformats.org/officeDocument/2006/relationships" xmlns:c="http://schemas.openxmlformats.org/drawingml/2006/chart" xmlns:a="http://schemas.openxmlformats.org/drawingml/2006/main" xmlns:dgm="http://schemas.openxmlformats.org/drawingml/2006/diagram" xmlns:dsp="http://schemas.microsoft.com/office/drawing/2008/diagram" xmlns:p="http://schemas.openxmlformats.org/presentationml/2006/main" showMasterSp="0">
+<p:sld xmlns:a="http://schemas.openxmlformats.org/drawingml/2006/main" xmlns:r="http://schemas.openxmlformats.org/officeDocument/2006/relationships" xmlns:p="http://schemas.openxmlformats.org/presentationml/2006/main" showMasterSp="0">
   <p:cSld>
     <p:bg>
-      <p:bgPr shadeToTitle="0">
+      <p:bgPr>
         <a:solidFill>
-          <a:srgbClr val="e8e2e2"/>
+          <a:srgbClr val="E8E2E2"/>
         </a:solidFill>
+        <a:effectLst/>
       </p:bgPr>
     </p:bg>
     <p:spTree>
@@ -28469,13 +28186,13 @@
   <p:clrMapOvr>
     <a:masterClrMapping/>
   </p:clrMapOvr>
-  <mc:AlternateContent xmlns:mc="http://schemas.openxmlformats.org/markup-compatibility/2006">
-    <mc:Choice xmlns:p14="http://schemas.microsoft.com/office/powerpoint/2010/main" Requires="p14">
-      <p:transition xmlns:mc="http://schemas.openxmlformats.org/markup-compatibility/2006" xmlns:p14="http://schemas.microsoft.com/office/powerpoint/2010/main" mc:Ignorable="p14" p14:dur="700">
+  <mc:AlternateContent xmlns:mc="http://schemas.openxmlformats.org/markup-compatibility/2006" xmlns:p14="http://schemas.microsoft.com/office/powerpoint/2010/main">
+    <mc:Choice Requires="p14">
+      <p:transition spd="med" p14:dur="700">
         <p:fade/>
       </p:transition>
     </mc:Choice>
-    <mc:Fallback>
+    <mc:Fallback xmlns:dsp="http://schemas.microsoft.com/office/drawing/2008/diagram" xmlns:dgm="http://schemas.openxmlformats.org/drawingml/2006/diagram" xmlns:c="http://schemas.openxmlformats.org/drawingml/2006/chart" xmlns="">
       <p:transition xmlns:mc="http://schemas.openxmlformats.org/markup-compatibility/2006" xmlns:hp="http://schemas.haansoft.com/office/presentation/8.0" mc:Ignorable="hp" hp:hslDur="700">
         <p:fade/>
       </p:transition>
@@ -29539,37 +29256,7 @@
                 <a:latin typeface="+mn-ea"/>
                 <a:ea typeface="문체부 쓰기 정체" panose="02030609000101010101" pitchFamily="17" charset="-127"/>
               </a:rPr>
-              <a:t>해당 지점 및 </a:t>
-            </a:r>
-            <a:r>
-              <a:rPr lang="ko-KR" altLang="en-US" sz="2400" spc="-150" dirty="0" smtClean="0">
-                <a:solidFill>
-                  <a:schemeClr val="bg1"/>
-                </a:solidFill>
-                <a:latin typeface="+mn-ea"/>
-                <a:ea typeface="문체부 쓰기 정체" panose="02030609000101010101" pitchFamily="17" charset="-127"/>
-              </a:rPr>
-              <a:t>고객센터</a:t>
-            </a:r>
-            <a:r>
-              <a:rPr lang="ko-KR" altLang="en-US" sz="2400" spc="-150" dirty="0" smtClean="0">
-                <a:solidFill>
-                  <a:schemeClr val="bg1"/>
-                </a:solidFill>
-                <a:latin typeface="+mn-ea"/>
-                <a:ea typeface="문체부 쓰기 정체" panose="02030609000101010101" pitchFamily="17" charset="-127"/>
-              </a:rPr>
-              <a:t> </a:t>
-            </a:r>
-            <a:r>
-              <a:rPr lang="ko-KR" altLang="en-US" sz="2400" spc="-150" dirty="0" smtClean="0">
-                <a:solidFill>
-                  <a:schemeClr val="bg1"/>
-                </a:solidFill>
-                <a:latin typeface="+mn-ea"/>
-                <a:ea typeface="문체부 쓰기 정체" panose="02030609000101010101" pitchFamily="17" charset="-127"/>
-              </a:rPr>
-              <a:t>관리</a:t>
+              <a:t>해당 지점 및 고객센터 관리</a:t>
             </a:r>
             <a:endParaRPr lang="en-US" altLang="ko-KR" sz="2400" spc="-150" dirty="0">
               <a:solidFill>
@@ -30029,20 +29716,7 @@
                 <a:latin typeface="+mn-ea"/>
                 <a:ea typeface="문체부 쓰기 정체" panose="02030609000101010101" pitchFamily="17" charset="-127"/>
               </a:rPr>
-              <a:t>문의</a:t>
-            </a:r>
-            <a:r>
-              <a:rPr lang="ko-KR" altLang="en-US" sz="2400" spc="-150" dirty="0" smtClean="0">
-                <a:solidFill>
-                  <a:schemeClr val="tx1">
-                    <a:lumMod val="75000"/>
-                    <a:lumOff val="25000"/>
-                  </a:schemeClr>
-                </a:solidFill>
-                <a:latin typeface="+mn-ea"/>
-                <a:ea typeface="문체부 쓰기 정체" panose="02030609000101010101" pitchFamily="17" charset="-127"/>
-              </a:rPr>
-              <a:t> </a:t>
+              <a:t>문의 </a:t>
             </a:r>
             <a:endParaRPr lang="en-US" altLang="ko-KR" sz="2400" spc="-150" dirty="0">
               <a:solidFill>
@@ -30083,38 +29757,38 @@
 </file>
 
 <file path=ppt/theme/theme1.xml><?xml version="1.0" encoding="utf-8"?>
-<a:theme xmlns:r="http://schemas.openxmlformats.org/officeDocument/2006/relationships" xmlns:c="http://schemas.openxmlformats.org/drawingml/2006/chart" xmlns:dgm="http://schemas.openxmlformats.org/drawingml/2006/diagram" xmlns:dsp="http://schemas.microsoft.com/office/drawing/2008/diagram" xmlns:a="http://schemas.openxmlformats.org/drawingml/2006/main" xmlns:pic="http://schemas.openxmlformats.org/drawingml/2006/picture" xmlns:wp="http://schemas.openxmlformats.org/drawingml/2006/wordprocessingDrawing" xmlns:xdr="http://schemas.openxmlformats.org/drawingml/2006/spreadsheetDrawing" xmlns:lc="http://schemas.openxmlformats.org/drawingml/2006/lockedCanvas" xmlns:p="http://schemas.openxmlformats.org/presentationml/2006/main" name="Office 테마">
+<a:theme xmlns:a="http://schemas.openxmlformats.org/drawingml/2006/main" name="Office 테마">
   <a:themeElements>
     <a:clrScheme name="111 고르곤졸라">
       <a:dk1>
-        <a:srgbClr val="3a3838"/>
+        <a:srgbClr val="3A3838"/>
       </a:dk1>
       <a:lt1>
-        <a:srgbClr val="ffffff"/>
+        <a:srgbClr val="FFFFFF"/>
       </a:lt1>
       <a:dk2>
-        <a:srgbClr val="5d5b5b"/>
+        <a:srgbClr val="5D5B5B"/>
       </a:dk2>
       <a:lt2>
-        <a:srgbClr val="f2f2f2"/>
+        <a:srgbClr val="F2F2F2"/>
       </a:lt2>
       <a:accent1>
-        <a:srgbClr val="5f5f5d"/>
+        <a:srgbClr val="5F5F5D"/>
       </a:accent1>
       <a:accent2>
-        <a:srgbClr val="7c7c7a"/>
+        <a:srgbClr val="7C7C7A"/>
       </a:accent2>
       <a:accent3>
-        <a:srgbClr val="beb7b1"/>
+        <a:srgbClr val="BEB7B1"/>
       </a:accent3>
       <a:accent4>
-        <a:srgbClr val="3d3a35"/>
+        <a:srgbClr val="3D3A35"/>
       </a:accent4>
       <a:accent5>
-        <a:srgbClr val="d1c6ae"/>
+        <a:srgbClr val="D1C6AE"/>
       </a:accent5>
       <a:accent6>
-        <a:srgbClr val="dfd8c7"/>
+        <a:srgbClr val="DFD8C7"/>
       </a:accent6>
       <a:hlink>
         <a:srgbClr val="757070"/>
@@ -30331,5 +30005,6 @@
       <a:lstStyle/>
     </a:txDef>
   </a:objectDefaults>
+  <a:extraClrSchemeLst/>
 </a:theme>
 </file>